--- a/FINAL_DECK_PHOENIX.pptx
+++ b/FINAL_DECK_PHOENIX.pptx
@@ -19,6 +19,7 @@
     <p:sldId id="264" r:id="rId13"/>
     <p:sldId id="265" r:id="rId14"/>
     <p:sldId id="266" r:id="rId15"/>
+    <p:sldId id="267" r:id="rId16"/>
   </p:sldIdLst>
   <p:sldSz cy="6858000" cx="12192000"/>
   <p:notesSz cx="6858000" cy="9144000"/>
@@ -253,7 +254,7 @@
   </p:defaultTextStyle>
   <p:extLst>
     <p:ext uri="http://customooxmlschemas.google.com/">
-      <go:slidesCustomData xmlns:go="http://customooxmlschemas.google.com/" r:id="rId16" roundtripDataSignature="AMtx7mjb0CLMQ3vyDfdiQZTtE0C1CJFU9Q=="/>
+      <go:slidesCustomData xmlns:go="http://customooxmlschemas.google.com/" r:id="rId17" roundtripDataSignature="AMtx7mgH5wB9Z1aSAEEhZMymMAukipkltg=="/>
     </p:ext>
   </p:extLst>
 </p:presentation>
@@ -789,7 +790,7 @@
   <p:cSld>
     <p:spTree>
       <p:nvGrpSpPr>
-        <p:cNvPr id="140" name="Shape 140"/>
+        <p:cNvPr id="138" name="Shape 138"/>
         <p:cNvGrpSpPr/>
         <p:nvPr/>
       </p:nvGrpSpPr>
@@ -803,7 +804,42 @@
       </p:grpSpPr>
       <p:sp>
         <p:nvSpPr>
-          <p:cNvPr id="141" name="Google Shape;141;p8:notes"/>
+          <p:cNvPr id="139" name="Google Shape;139;g1379d7083dc_3_0:notes"/>
+          <p:cNvSpPr/>
+          <p:nvPr>
+            <p:ph idx="2" type="sldImg"/>
+          </p:nvPr>
+        </p:nvSpPr>
+        <p:spPr>
+          <a:xfrm>
+            <a:off x="1143225" y="685800"/>
+            <a:ext cx="4572300" cy="3429000"/>
+          </a:xfrm>
+          <a:custGeom>
+            <a:rect b="b" l="l" r="r" t="t"/>
+            <a:pathLst>
+              <a:path extrusionOk="0" h="120000" w="120000">
+                <a:moveTo>
+                  <a:pt x="0" y="0"/>
+                </a:moveTo>
+                <a:lnTo>
+                  <a:pt x="120000" y="0"/>
+                </a:lnTo>
+                <a:lnTo>
+                  <a:pt x="120000" y="120000"/>
+                </a:lnTo>
+                <a:lnTo>
+                  <a:pt x="0" y="120000"/>
+                </a:lnTo>
+                <a:close/>
+              </a:path>
+            </a:pathLst>
+          </a:custGeom>
+        </p:spPr>
+      </p:sp>
+      <p:sp>
+        <p:nvSpPr>
+          <p:cNvPr id="140" name="Google Shape;140;g1379d7083dc_3_0:notes"/>
           <p:cNvSpPr txBox="1"/>
           <p:nvPr>
             <p:ph idx="1" type="body"/>
@@ -840,9 +876,73 @@
           </a:p>
         </p:txBody>
       </p:sp>
+    </p:spTree>
+  </p:cSld>
+  <p:clrMapOvr>
+    <a:masterClrMapping/>
+  </p:clrMapOvr>
+</p:notes>
+</file>
+
+<file path=ppt/notesSlides/notesSlide11.xml><?xml version="1.0" encoding="utf-8"?>
+<p:notes xmlns:a="http://schemas.openxmlformats.org/drawingml/2006/main" xmlns:r="http://schemas.openxmlformats.org/officeDocument/2006/relationships" xmlns:mc="http://schemas.openxmlformats.org/markup-compatibility/2006" xmlns:mv="urn:schemas-microsoft-com:mac:vml" xmlns:p="http://schemas.openxmlformats.org/presentationml/2006/main" xmlns:c="http://schemas.openxmlformats.org/drawingml/2006/chart" xmlns:dgm="http://schemas.openxmlformats.org/drawingml/2006/diagram" xmlns:o="urn:schemas-microsoft-com:office:office" xmlns:v="urn:schemas-microsoft-com:vml" xmlns:pvml="urn:schemas-microsoft-com:office:powerpoint" xmlns:com="http://schemas.openxmlformats.org/drawingml/2006/compatibility" xmlns:p14="http://schemas.microsoft.com/office/powerpoint/2010/main" xmlns:p15="http://schemas.microsoft.com/office/powerpoint/2012/main" xmlns:ahyp="http://schemas.microsoft.com/office/drawing/2018/hyperlinkcolor" showMasterPhAnim="0" showMasterSp="0">
+  <p:cSld>
+    <p:spTree>
+      <p:nvGrpSpPr>
+        <p:cNvPr id="145" name="Shape 145"/>
+        <p:cNvGrpSpPr/>
+        <p:nvPr/>
+      </p:nvGrpSpPr>
+      <p:grpSpPr>
+        <a:xfrm>
+          <a:off x="0" y="0"/>
+          <a:ext cx="0" cy="0"/>
+          <a:chOff x="0" y="0"/>
+          <a:chExt cx="0" cy="0"/>
+        </a:xfrm>
+      </p:grpSpPr>
       <p:sp>
         <p:nvSpPr>
-          <p:cNvPr id="142" name="Google Shape;142;p8:notes"/>
+          <p:cNvPr id="146" name="Google Shape;146;p8:notes"/>
+          <p:cNvSpPr txBox="1"/>
+          <p:nvPr>
+            <p:ph idx="1" type="body"/>
+          </p:nvPr>
+        </p:nvSpPr>
+        <p:spPr>
+          <a:xfrm>
+            <a:off x="685800" y="4343400"/>
+            <a:ext cx="5486400" cy="4114800"/>
+          </a:xfrm>
+          <a:prstGeom prst="rect">
+            <a:avLst/>
+          </a:prstGeom>
+        </p:spPr>
+        <p:txBody>
+          <a:bodyPr anchorCtr="0" anchor="t" bIns="91425" lIns="91425" spcFirstLastPara="1" rIns="91425" wrap="square" tIns="91425">
+            <a:noAutofit/>
+          </a:bodyPr>
+          <a:lstStyle/>
+          <a:p>
+            <a:pPr indent="0" lvl="0" marL="0" rtl="0" algn="l">
+              <a:spcBef>
+                <a:spcPts val="0"/>
+              </a:spcBef>
+              <a:spcAft>
+                <a:spcPts val="0"/>
+              </a:spcAft>
+              <a:buNone/>
+            </a:pPr>
+            <a:r>
+              <a:t/>
+            </a:r>
+            <a:endParaRPr/>
+          </a:p>
+        </p:txBody>
+      </p:sp>
+      <p:sp>
+        <p:nvSpPr>
+          <p:cNvPr id="147" name="Google Shape;147;p8:notes"/>
           <p:cNvSpPr/>
           <p:nvPr>
             <p:ph idx="2" type="sldImg"/>
@@ -883,12 +983,12 @@
 </p:notes>
 </file>
 
-<file path=ppt/notesSlides/notesSlide11.xml><?xml version="1.0" encoding="utf-8"?>
+<file path=ppt/notesSlides/notesSlide12.xml><?xml version="1.0" encoding="utf-8"?>
 <p:notes xmlns:a="http://schemas.openxmlformats.org/drawingml/2006/main" xmlns:r="http://schemas.openxmlformats.org/officeDocument/2006/relationships" xmlns:mc="http://schemas.openxmlformats.org/markup-compatibility/2006" xmlns:mv="urn:schemas-microsoft-com:mac:vml" xmlns:p="http://schemas.openxmlformats.org/presentationml/2006/main" xmlns:c="http://schemas.openxmlformats.org/drawingml/2006/chart" xmlns:dgm="http://schemas.openxmlformats.org/drawingml/2006/diagram" xmlns:o="urn:schemas-microsoft-com:office:office" xmlns:v="urn:schemas-microsoft-com:vml" xmlns:pvml="urn:schemas-microsoft-com:office:powerpoint" xmlns:com="http://schemas.openxmlformats.org/drawingml/2006/compatibility" xmlns:p14="http://schemas.microsoft.com/office/powerpoint/2010/main" xmlns:p15="http://schemas.microsoft.com/office/powerpoint/2012/main" xmlns:ahyp="http://schemas.microsoft.com/office/drawing/2018/hyperlinkcolor" showMasterPhAnim="0" showMasterSp="0">
   <p:cSld>
     <p:spTree>
       <p:nvGrpSpPr>
-        <p:cNvPr id="146" name="Shape 146"/>
+        <p:cNvPr id="151" name="Shape 151"/>
         <p:cNvGrpSpPr/>
         <p:nvPr/>
       </p:nvGrpSpPr>
@@ -902,7 +1002,7 @@
       </p:grpSpPr>
       <p:sp>
         <p:nvSpPr>
-          <p:cNvPr id="147" name="Google Shape;147;g134c782b980_1_5:notes"/>
+          <p:cNvPr id="152" name="Google Shape;152;g134c782b980_1_5:notes"/>
           <p:cNvSpPr/>
           <p:nvPr>
             <p:ph idx="2" type="sldImg"/>
@@ -937,7 +1037,7 @@
       </p:sp>
       <p:sp>
         <p:nvSpPr>
-          <p:cNvPr id="148" name="Google Shape;148;g134c782b980_1_5:notes"/>
+          <p:cNvPr id="153" name="Google Shape;153;g134c782b980_1_5:notes"/>
           <p:cNvSpPr txBox="1"/>
           <p:nvPr>
             <p:ph idx="1" type="body"/>
@@ -987,7 +1087,7 @@
   <p:cSld>
     <p:spTree>
       <p:nvGrpSpPr>
-        <p:cNvPr id="86" name="Shape 86"/>
+        <p:cNvPr id="83" name="Shape 83"/>
         <p:cNvGrpSpPr/>
         <p:nvPr/>
       </p:nvGrpSpPr>
@@ -1001,7 +1101,7 @@
       </p:grpSpPr>
       <p:sp>
         <p:nvSpPr>
-          <p:cNvPr id="87" name="Google Shape;87;p2:notes"/>
+          <p:cNvPr id="84" name="Google Shape;84;g134c782b980_1_31:notes"/>
           <p:cNvSpPr txBox="1"/>
           <p:nvPr>
             <p:ph idx="1" type="body"/>
@@ -1040,7 +1140,7 @@
       </p:sp>
       <p:sp>
         <p:nvSpPr>
-          <p:cNvPr id="88" name="Google Shape;88;p2:notes"/>
+          <p:cNvPr id="85" name="Google Shape;85;g134c782b980_1_31:notes"/>
           <p:cNvSpPr/>
           <p:nvPr>
             <p:ph idx="2" type="sldImg"/>
@@ -1049,7 +1149,7 @@
         <p:spPr>
           <a:xfrm>
             <a:off x="1143225" y="685800"/>
-            <a:ext cx="4572225" cy="3429000"/>
+            <a:ext cx="4572300" cy="3429000"/>
           </a:xfrm>
           <a:custGeom>
             <a:rect b="b" l="l" r="r" t="t"/>
@@ -1086,7 +1186,7 @@
   <p:cSld>
     <p:spTree>
       <p:nvGrpSpPr>
-        <p:cNvPr id="92" name="Shape 92"/>
+        <p:cNvPr id="91" name="Shape 91"/>
         <p:cNvGrpSpPr/>
         <p:nvPr/>
       </p:nvGrpSpPr>
@@ -1100,7 +1200,7 @@
       </p:grpSpPr>
       <p:sp>
         <p:nvSpPr>
-          <p:cNvPr id="93" name="Google Shape;93;p3:notes"/>
+          <p:cNvPr id="92" name="Google Shape;92;p2:notes"/>
           <p:cNvSpPr txBox="1"/>
           <p:nvPr>
             <p:ph idx="1" type="body"/>
@@ -1139,7 +1239,7 @@
       </p:sp>
       <p:sp>
         <p:nvSpPr>
-          <p:cNvPr id="94" name="Google Shape;94;p3:notes"/>
+          <p:cNvPr id="93" name="Google Shape;93;p2:notes"/>
           <p:cNvSpPr/>
           <p:nvPr>
             <p:ph idx="2" type="sldImg"/>
@@ -1185,7 +1285,7 @@
   <p:cSld>
     <p:spTree>
       <p:nvGrpSpPr>
-        <p:cNvPr id="99" name="Shape 99"/>
+        <p:cNvPr id="97" name="Shape 97"/>
         <p:cNvGrpSpPr/>
         <p:nvPr/>
       </p:nvGrpSpPr>
@@ -1199,42 +1299,7 @@
       </p:grpSpPr>
       <p:sp>
         <p:nvSpPr>
-          <p:cNvPr id="100" name="Google Shape;100;g134c782b980_7_0:notes"/>
-          <p:cNvSpPr/>
-          <p:nvPr>
-            <p:ph idx="2" type="sldImg"/>
-          </p:nvPr>
-        </p:nvSpPr>
-        <p:spPr>
-          <a:xfrm>
-            <a:off x="1143225" y="685800"/>
-            <a:ext cx="4572300" cy="3429000"/>
-          </a:xfrm>
-          <a:custGeom>
-            <a:rect b="b" l="l" r="r" t="t"/>
-            <a:pathLst>
-              <a:path extrusionOk="0" h="120000" w="120000">
-                <a:moveTo>
-                  <a:pt x="0" y="0"/>
-                </a:moveTo>
-                <a:lnTo>
-                  <a:pt x="120000" y="0"/>
-                </a:lnTo>
-                <a:lnTo>
-                  <a:pt x="120000" y="120000"/>
-                </a:lnTo>
-                <a:lnTo>
-                  <a:pt x="0" y="120000"/>
-                </a:lnTo>
-                <a:close/>
-              </a:path>
-            </a:pathLst>
-          </a:custGeom>
-        </p:spPr>
-      </p:sp>
-      <p:sp>
-        <p:nvSpPr>
-          <p:cNvPr id="101" name="Google Shape;101;g134c782b980_7_0:notes"/>
+          <p:cNvPr id="98" name="Google Shape;98;p3:notes"/>
           <p:cNvSpPr txBox="1"/>
           <p:nvPr>
             <p:ph idx="1" type="body"/>
@@ -1271,73 +1336,9 @@
           </a:p>
         </p:txBody>
       </p:sp>
-    </p:spTree>
-  </p:cSld>
-  <p:clrMapOvr>
-    <a:masterClrMapping/>
-  </p:clrMapOvr>
-</p:notes>
-</file>
-
-<file path=ppt/notesSlides/notesSlide5.xml><?xml version="1.0" encoding="utf-8"?>
-<p:notes xmlns:a="http://schemas.openxmlformats.org/drawingml/2006/main" xmlns:r="http://schemas.openxmlformats.org/officeDocument/2006/relationships" xmlns:mc="http://schemas.openxmlformats.org/markup-compatibility/2006" xmlns:mv="urn:schemas-microsoft-com:mac:vml" xmlns:p="http://schemas.openxmlformats.org/presentationml/2006/main" xmlns:c="http://schemas.openxmlformats.org/drawingml/2006/chart" xmlns:dgm="http://schemas.openxmlformats.org/drawingml/2006/diagram" xmlns:o="urn:schemas-microsoft-com:office:office" xmlns:v="urn:schemas-microsoft-com:vml" xmlns:pvml="urn:schemas-microsoft-com:office:powerpoint" xmlns:com="http://schemas.openxmlformats.org/drawingml/2006/compatibility" xmlns:p14="http://schemas.microsoft.com/office/powerpoint/2010/main" xmlns:p15="http://schemas.microsoft.com/office/powerpoint/2012/main" xmlns:ahyp="http://schemas.microsoft.com/office/drawing/2018/hyperlinkcolor" showMasterPhAnim="0" showMasterSp="0">
-  <p:cSld>
-    <p:spTree>
-      <p:nvGrpSpPr>
-        <p:cNvPr id="104" name="Shape 104"/>
-        <p:cNvGrpSpPr/>
-        <p:nvPr/>
-      </p:nvGrpSpPr>
-      <p:grpSpPr>
-        <a:xfrm>
-          <a:off x="0" y="0"/>
-          <a:ext cx="0" cy="0"/>
-          <a:chOff x="0" y="0"/>
-          <a:chExt cx="0" cy="0"/>
-        </a:xfrm>
-      </p:grpSpPr>
       <p:sp>
         <p:nvSpPr>
-          <p:cNvPr id="105" name="Google Shape;105;p4:notes"/>
-          <p:cNvSpPr txBox="1"/>
-          <p:nvPr>
-            <p:ph idx="1" type="body"/>
-          </p:nvPr>
-        </p:nvSpPr>
-        <p:spPr>
-          <a:xfrm>
-            <a:off x="685800" y="4343400"/>
-            <a:ext cx="5486400" cy="4114800"/>
-          </a:xfrm>
-          <a:prstGeom prst="rect">
-            <a:avLst/>
-          </a:prstGeom>
-        </p:spPr>
-        <p:txBody>
-          <a:bodyPr anchorCtr="0" anchor="t" bIns="91425" lIns="91425" spcFirstLastPara="1" rIns="91425" wrap="square" tIns="91425">
-            <a:noAutofit/>
-          </a:bodyPr>
-          <a:lstStyle/>
-          <a:p>
-            <a:pPr indent="0" lvl="0" marL="0" rtl="0" algn="l">
-              <a:spcBef>
-                <a:spcPts val="0"/>
-              </a:spcBef>
-              <a:spcAft>
-                <a:spcPts val="0"/>
-              </a:spcAft>
-              <a:buNone/>
-            </a:pPr>
-            <a:r>
-              <a:t/>
-            </a:r>
-            <a:endParaRPr/>
-          </a:p>
-        </p:txBody>
-      </p:sp>
-      <p:sp>
-        <p:nvSpPr>
-          <p:cNvPr id="106" name="Google Shape;106;p4:notes"/>
+          <p:cNvPr id="99" name="Google Shape;99;p3:notes"/>
           <p:cNvSpPr/>
           <p:nvPr>
             <p:ph idx="2" type="sldImg"/>
@@ -1378,12 +1379,12 @@
 </p:notes>
 </file>
 
-<file path=ppt/notesSlides/notesSlide6.xml><?xml version="1.0" encoding="utf-8"?>
+<file path=ppt/notesSlides/notesSlide5.xml><?xml version="1.0" encoding="utf-8"?>
 <p:notes xmlns:a="http://schemas.openxmlformats.org/drawingml/2006/main" xmlns:r="http://schemas.openxmlformats.org/officeDocument/2006/relationships" xmlns:mc="http://schemas.openxmlformats.org/markup-compatibility/2006" xmlns:mv="urn:schemas-microsoft-com:mac:vml" xmlns:p="http://schemas.openxmlformats.org/presentationml/2006/main" xmlns:c="http://schemas.openxmlformats.org/drawingml/2006/chart" xmlns:dgm="http://schemas.openxmlformats.org/drawingml/2006/diagram" xmlns:o="urn:schemas-microsoft-com:office:office" xmlns:v="urn:schemas-microsoft-com:vml" xmlns:pvml="urn:schemas-microsoft-com:office:powerpoint" xmlns:com="http://schemas.openxmlformats.org/drawingml/2006/compatibility" xmlns:p14="http://schemas.microsoft.com/office/powerpoint/2010/main" xmlns:p15="http://schemas.microsoft.com/office/powerpoint/2012/main" xmlns:ahyp="http://schemas.microsoft.com/office/drawing/2018/hyperlinkcolor" showMasterPhAnim="0" showMasterSp="0">
   <p:cSld>
     <p:spTree>
       <p:nvGrpSpPr>
-        <p:cNvPr id="111" name="Shape 111"/>
+        <p:cNvPr id="104" name="Shape 104"/>
         <p:cNvGrpSpPr/>
         <p:nvPr/>
       </p:nvGrpSpPr>
@@ -1397,7 +1398,42 @@
       </p:grpSpPr>
       <p:sp>
         <p:nvSpPr>
-          <p:cNvPr id="112" name="Google Shape;112;p5:notes"/>
+          <p:cNvPr id="105" name="Google Shape;105;g134c782b980_7_0:notes"/>
+          <p:cNvSpPr/>
+          <p:nvPr>
+            <p:ph idx="2" type="sldImg"/>
+          </p:nvPr>
+        </p:nvSpPr>
+        <p:spPr>
+          <a:xfrm>
+            <a:off x="1143225" y="685800"/>
+            <a:ext cx="4572300" cy="3429000"/>
+          </a:xfrm>
+          <a:custGeom>
+            <a:rect b="b" l="l" r="r" t="t"/>
+            <a:pathLst>
+              <a:path extrusionOk="0" h="120000" w="120000">
+                <a:moveTo>
+                  <a:pt x="0" y="0"/>
+                </a:moveTo>
+                <a:lnTo>
+                  <a:pt x="120000" y="0"/>
+                </a:lnTo>
+                <a:lnTo>
+                  <a:pt x="120000" y="120000"/>
+                </a:lnTo>
+                <a:lnTo>
+                  <a:pt x="0" y="120000"/>
+                </a:lnTo>
+                <a:close/>
+              </a:path>
+            </a:pathLst>
+          </a:custGeom>
+        </p:spPr>
+      </p:sp>
+      <p:sp>
+        <p:nvSpPr>
+          <p:cNvPr id="106" name="Google Shape;106;g134c782b980_7_0:notes"/>
           <p:cNvSpPr txBox="1"/>
           <p:nvPr>
             <p:ph idx="1" type="body"/>
@@ -1434,9 +1470,73 @@
           </a:p>
         </p:txBody>
       </p:sp>
+    </p:spTree>
+  </p:cSld>
+  <p:clrMapOvr>
+    <a:masterClrMapping/>
+  </p:clrMapOvr>
+</p:notes>
+</file>
+
+<file path=ppt/notesSlides/notesSlide6.xml><?xml version="1.0" encoding="utf-8"?>
+<p:notes xmlns:a="http://schemas.openxmlformats.org/drawingml/2006/main" xmlns:r="http://schemas.openxmlformats.org/officeDocument/2006/relationships" xmlns:mc="http://schemas.openxmlformats.org/markup-compatibility/2006" xmlns:mv="urn:schemas-microsoft-com:mac:vml" xmlns:p="http://schemas.openxmlformats.org/presentationml/2006/main" xmlns:c="http://schemas.openxmlformats.org/drawingml/2006/chart" xmlns:dgm="http://schemas.openxmlformats.org/drawingml/2006/diagram" xmlns:o="urn:schemas-microsoft-com:office:office" xmlns:v="urn:schemas-microsoft-com:vml" xmlns:pvml="urn:schemas-microsoft-com:office:powerpoint" xmlns:com="http://schemas.openxmlformats.org/drawingml/2006/compatibility" xmlns:p14="http://schemas.microsoft.com/office/powerpoint/2010/main" xmlns:p15="http://schemas.microsoft.com/office/powerpoint/2012/main" xmlns:ahyp="http://schemas.microsoft.com/office/drawing/2018/hyperlinkcolor" showMasterPhAnim="0" showMasterSp="0">
+  <p:cSld>
+    <p:spTree>
+      <p:nvGrpSpPr>
+        <p:cNvPr id="109" name="Shape 109"/>
+        <p:cNvGrpSpPr/>
+        <p:nvPr/>
+      </p:nvGrpSpPr>
+      <p:grpSpPr>
+        <a:xfrm>
+          <a:off x="0" y="0"/>
+          <a:ext cx="0" cy="0"/>
+          <a:chOff x="0" y="0"/>
+          <a:chExt cx="0" cy="0"/>
+        </a:xfrm>
+      </p:grpSpPr>
       <p:sp>
         <p:nvSpPr>
-          <p:cNvPr id="113" name="Google Shape;113;p5:notes"/>
+          <p:cNvPr id="110" name="Google Shape;110;p4:notes"/>
+          <p:cNvSpPr txBox="1"/>
+          <p:nvPr>
+            <p:ph idx="1" type="body"/>
+          </p:nvPr>
+        </p:nvSpPr>
+        <p:spPr>
+          <a:xfrm>
+            <a:off x="685800" y="4343400"/>
+            <a:ext cx="5486400" cy="4114800"/>
+          </a:xfrm>
+          <a:prstGeom prst="rect">
+            <a:avLst/>
+          </a:prstGeom>
+        </p:spPr>
+        <p:txBody>
+          <a:bodyPr anchorCtr="0" anchor="t" bIns="91425" lIns="91425" spcFirstLastPara="1" rIns="91425" wrap="square" tIns="91425">
+            <a:noAutofit/>
+          </a:bodyPr>
+          <a:lstStyle/>
+          <a:p>
+            <a:pPr indent="0" lvl="0" marL="0" rtl="0" algn="l">
+              <a:spcBef>
+                <a:spcPts val="0"/>
+              </a:spcBef>
+              <a:spcAft>
+                <a:spcPts val="0"/>
+              </a:spcAft>
+              <a:buNone/>
+            </a:pPr>
+            <a:r>
+              <a:t/>
+            </a:r>
+            <a:endParaRPr/>
+          </a:p>
+        </p:txBody>
+      </p:sp>
+      <p:sp>
+        <p:nvSpPr>
+          <p:cNvPr id="111" name="Google Shape;111;p4:notes"/>
           <p:cNvSpPr/>
           <p:nvPr>
             <p:ph idx="2" type="sldImg"/>
@@ -1482,7 +1582,7 @@
   <p:cSld>
     <p:spTree>
       <p:nvGrpSpPr>
-        <p:cNvPr id="120" name="Shape 120"/>
+        <p:cNvPr id="116" name="Shape 116"/>
         <p:cNvGrpSpPr/>
         <p:nvPr/>
       </p:nvGrpSpPr>
@@ -1496,7 +1596,7 @@
       </p:grpSpPr>
       <p:sp>
         <p:nvSpPr>
-          <p:cNvPr id="121" name="Google Shape;121;p6:notes"/>
+          <p:cNvPr id="117" name="Google Shape;117;p5:notes"/>
           <p:cNvSpPr txBox="1"/>
           <p:nvPr>
             <p:ph idx="1" type="body"/>
@@ -1535,7 +1635,7 @@
       </p:sp>
       <p:sp>
         <p:nvSpPr>
-          <p:cNvPr id="122" name="Google Shape;122;p6:notes"/>
+          <p:cNvPr id="118" name="Google Shape;118;p5:notes"/>
           <p:cNvSpPr/>
           <p:nvPr>
             <p:ph idx="2" type="sldImg"/>
@@ -1581,7 +1681,7 @@
   <p:cSld>
     <p:spTree>
       <p:nvGrpSpPr>
-        <p:cNvPr id="127" name="Shape 127"/>
+        <p:cNvPr id="125" name="Shape 125"/>
         <p:cNvGrpSpPr/>
         <p:nvPr/>
       </p:nvGrpSpPr>
@@ -1595,7 +1695,7 @@
       </p:grpSpPr>
       <p:sp>
         <p:nvSpPr>
-          <p:cNvPr id="128" name="Google Shape;128;g13784e01403_2_222:notes"/>
+          <p:cNvPr id="126" name="Google Shape;126;p6:notes"/>
           <p:cNvSpPr txBox="1"/>
           <p:nvPr>
             <p:ph idx="1" type="body"/>
@@ -1634,7 +1734,7 @@
       </p:sp>
       <p:sp>
         <p:nvSpPr>
-          <p:cNvPr id="129" name="Google Shape;129;g13784e01403_2_222:notes"/>
+          <p:cNvPr id="127" name="Google Shape;127;p6:notes"/>
           <p:cNvSpPr/>
           <p:nvPr>
             <p:ph idx="2" type="sldImg"/>
@@ -1643,7 +1743,7 @@
         <p:spPr>
           <a:xfrm>
             <a:off x="1143225" y="685800"/>
-            <a:ext cx="4572300" cy="3429000"/>
+            <a:ext cx="4572225" cy="3429000"/>
           </a:xfrm>
           <a:custGeom>
             <a:rect b="b" l="l" r="r" t="t"/>
@@ -1680,7 +1780,7 @@
   <p:cSld>
     <p:spTree>
       <p:nvGrpSpPr>
-        <p:cNvPr id="133" name="Shape 133"/>
+        <p:cNvPr id="132" name="Shape 132"/>
         <p:cNvGrpSpPr/>
         <p:nvPr/>
       </p:nvGrpSpPr>
@@ -1694,7 +1794,46 @@
       </p:grpSpPr>
       <p:sp>
         <p:nvSpPr>
-          <p:cNvPr id="134" name="Google Shape;134;g1379d7083dc_3_0:notes"/>
+          <p:cNvPr id="133" name="Google Shape;133;g13784e01403_2_222:notes"/>
+          <p:cNvSpPr txBox="1"/>
+          <p:nvPr>
+            <p:ph idx="1" type="body"/>
+          </p:nvPr>
+        </p:nvSpPr>
+        <p:spPr>
+          <a:xfrm>
+            <a:off x="685800" y="4343400"/>
+            <a:ext cx="5486400" cy="4114800"/>
+          </a:xfrm>
+          <a:prstGeom prst="rect">
+            <a:avLst/>
+          </a:prstGeom>
+        </p:spPr>
+        <p:txBody>
+          <a:bodyPr anchorCtr="0" anchor="t" bIns="91425" lIns="91425" spcFirstLastPara="1" rIns="91425" wrap="square" tIns="91425">
+            <a:noAutofit/>
+          </a:bodyPr>
+          <a:lstStyle/>
+          <a:p>
+            <a:pPr indent="0" lvl="0" marL="0" rtl="0" algn="l">
+              <a:spcBef>
+                <a:spcPts val="0"/>
+              </a:spcBef>
+              <a:spcAft>
+                <a:spcPts val="0"/>
+              </a:spcAft>
+              <a:buNone/>
+            </a:pPr>
+            <a:r>
+              <a:t/>
+            </a:r>
+            <a:endParaRPr/>
+          </a:p>
+        </p:txBody>
+      </p:sp>
+      <p:sp>
+        <p:nvSpPr>
+          <p:cNvPr id="134" name="Google Shape;134;g13784e01403_2_222:notes"/>
           <p:cNvSpPr/>
           <p:nvPr>
             <p:ph idx="2" type="sldImg"/>
@@ -1726,45 +1865,6 @@
             </a:pathLst>
           </a:custGeom>
         </p:spPr>
-      </p:sp>
-      <p:sp>
-        <p:nvSpPr>
-          <p:cNvPr id="135" name="Google Shape;135;g1379d7083dc_3_0:notes"/>
-          <p:cNvSpPr txBox="1"/>
-          <p:nvPr>
-            <p:ph idx="1" type="body"/>
-          </p:nvPr>
-        </p:nvSpPr>
-        <p:spPr>
-          <a:xfrm>
-            <a:off x="685800" y="4343400"/>
-            <a:ext cx="5486400" cy="4114800"/>
-          </a:xfrm>
-          <a:prstGeom prst="rect">
-            <a:avLst/>
-          </a:prstGeom>
-        </p:spPr>
-        <p:txBody>
-          <a:bodyPr anchorCtr="0" anchor="t" bIns="91425" lIns="91425" spcFirstLastPara="1" rIns="91425" wrap="square" tIns="91425">
-            <a:noAutofit/>
-          </a:bodyPr>
-          <a:lstStyle/>
-          <a:p>
-            <a:pPr indent="0" lvl="0" marL="0" rtl="0" algn="l">
-              <a:spcBef>
-                <a:spcPts val="0"/>
-              </a:spcBef>
-              <a:spcAft>
-                <a:spcPts val="0"/>
-              </a:spcAft>
-              <a:buNone/>
-            </a:pPr>
-            <a:r>
-              <a:t/>
-            </a:r>
-            <a:endParaRPr/>
-          </a:p>
-        </p:txBody>
       </p:sp>
     </p:spTree>
   </p:cSld>
@@ -14448,8 +14548,8 @@
         </p:nvSpPr>
         <p:spPr>
           <a:xfrm>
-            <a:off x="534232" y="1075734"/>
-            <a:ext cx="9144000" cy="645300"/>
+            <a:off x="1228350" y="2641500"/>
+            <a:ext cx="9735300" cy="1575000"/>
           </a:xfrm>
           <a:prstGeom prst="rect">
             <a:avLst/>
@@ -14461,13 +14561,13 @@
         </p:spPr>
         <p:txBody>
           <a:bodyPr anchorCtr="0" anchor="ctr" bIns="45700" lIns="91425" spcFirstLastPara="1" rIns="91425" wrap="square" tIns="45700">
-            <a:normAutofit lnSpcReduction="10000"/>
+            <a:noAutofit/>
           </a:bodyPr>
           <a:lstStyle/>
           <a:p>
             <a:pPr indent="0" lvl="0" marL="0" marR="0" rtl="0" algn="l">
               <a:lnSpc>
-                <a:spcPct val="90000"/>
+                <a:spcPct val="80000"/>
               </a:lnSpc>
               <a:spcBef>
                 <a:spcPts val="0"/>
@@ -14478,12 +14578,12 @@
               <a:buClr>
                 <a:srgbClr val="5D2A85"/>
               </a:buClr>
-              <a:buSzPts val="4400"/>
+              <a:buSzPts val="1430"/>
               <a:buFont typeface="Calibri"/>
               <a:buNone/>
             </a:pPr>
             <a:r>
-              <a:rPr b="1" lang="en-IN" sz="4400">
+              <a:rPr b="1" lang="en-IN" sz="4630">
                 <a:solidFill>
                   <a:srgbClr val="5D2A85"/>
                 </a:solidFill>
@@ -14492,352 +14592,11 @@
                 <a:cs typeface="Calibri"/>
                 <a:sym typeface="Calibri"/>
               </a:rPr>
-              <a:t>Team Phoenix</a:t>
+              <a:t>SNAP Product Co-Purchasing Networks</a:t>
             </a:r>
-            <a:endParaRPr/>
-          </a:p>
-        </p:txBody>
-      </p:sp>
-      <p:sp>
-        <p:nvSpPr>
-          <p:cNvPr id="83" name="Google Shape;83;g13784e01403_0_0"/>
-          <p:cNvSpPr txBox="1"/>
-          <p:nvPr/>
-        </p:nvSpPr>
-        <p:spPr>
-          <a:xfrm>
-            <a:off x="534225" y="1818900"/>
-            <a:ext cx="9144000" cy="2849100"/>
-          </a:xfrm>
-          <a:prstGeom prst="rect">
-            <a:avLst/>
-          </a:prstGeom>
-          <a:noFill/>
-          <a:ln>
-            <a:noFill/>
-          </a:ln>
-        </p:spPr>
-        <p:txBody>
-          <a:bodyPr anchorCtr="0" anchor="t" bIns="45700" lIns="91425" spcFirstLastPara="1" rIns="91425" wrap="square" tIns="45700">
-            <a:noAutofit/>
-          </a:bodyPr>
-          <a:lstStyle/>
-          <a:p>
-            <a:pPr indent="-228600" lvl="0" marL="228600" marR="0" rtl="0" algn="l">
-              <a:lnSpc>
-                <a:spcPct val="90000"/>
-              </a:lnSpc>
-              <a:spcBef>
-                <a:spcPts val="0"/>
-              </a:spcBef>
-              <a:spcAft>
-                <a:spcPts val="0"/>
-              </a:spcAft>
-              <a:buClr>
-                <a:schemeClr val="accent1"/>
-              </a:buClr>
-              <a:buSzPts val="2800"/>
-              <a:buFont typeface="Arial"/>
-              <a:buChar char="•"/>
-            </a:pPr>
-            <a:r>
-              <a:rPr lang="en-IN" sz="2800">
-                <a:solidFill>
-                  <a:schemeClr val="accent1"/>
-                </a:solidFill>
-                <a:latin typeface="Calibri"/>
-                <a:ea typeface="Calibri"/>
-                <a:cs typeface="Calibri"/>
-                <a:sym typeface="Calibri"/>
-              </a:rPr>
-              <a:t>Yaswanth Biruduraju|2024|Manipal Institute of Technology</a:t>
-            </a:r>
-            <a:endParaRPr/>
-          </a:p>
-          <a:p>
-            <a:pPr indent="-228600" lvl="0" marL="228600" marR="0" rtl="0" algn="l">
-              <a:lnSpc>
-                <a:spcPct val="90000"/>
-              </a:lnSpc>
-              <a:spcBef>
-                <a:spcPts val="1000"/>
-              </a:spcBef>
-              <a:spcAft>
-                <a:spcPts val="0"/>
-              </a:spcAft>
-              <a:buClr>
-                <a:schemeClr val="accent1"/>
-              </a:buClr>
-              <a:buSzPts val="2800"/>
-              <a:buFont typeface="Arial"/>
-              <a:buChar char="•"/>
-            </a:pPr>
-            <a:r>
-              <a:rPr lang="en-IN" sz="2800">
-                <a:solidFill>
-                  <a:schemeClr val="accent1"/>
-                </a:solidFill>
-                <a:latin typeface="Calibri"/>
-                <a:ea typeface="Calibri"/>
-                <a:cs typeface="Calibri"/>
-                <a:sym typeface="Calibri"/>
-              </a:rPr>
-              <a:t>Mihir Agarwal|2024|Manipal Institute of Technology</a:t>
-            </a:r>
-            <a:endParaRPr/>
-          </a:p>
-          <a:p>
-            <a:pPr indent="-228600" lvl="0" marL="228600" marR="0" rtl="0" algn="l">
-              <a:lnSpc>
-                <a:spcPct val="90000"/>
-              </a:lnSpc>
-              <a:spcBef>
-                <a:spcPts val="1000"/>
-              </a:spcBef>
-              <a:spcAft>
-                <a:spcPts val="0"/>
-              </a:spcAft>
-              <a:buClr>
-                <a:schemeClr val="accent1"/>
-              </a:buClr>
-              <a:buSzPts val="2800"/>
-              <a:buFont typeface="Arial"/>
-              <a:buChar char="•"/>
-            </a:pPr>
-            <a:r>
-              <a:rPr lang="en-IN" sz="2800">
-                <a:solidFill>
-                  <a:schemeClr val="accent1"/>
-                </a:solidFill>
-                <a:latin typeface="Calibri"/>
-                <a:ea typeface="Calibri"/>
-                <a:cs typeface="Calibri"/>
-                <a:sym typeface="Calibri"/>
-              </a:rPr>
-              <a:t>Pratinav Seth|2024|Manipal Institute of Technology</a:t>
-            </a:r>
-            <a:endParaRPr/>
-          </a:p>
-          <a:p>
-            <a:pPr indent="-228600" lvl="0" marL="228600" marR="0" rtl="0" algn="l">
-              <a:lnSpc>
-                <a:spcPct val="90000"/>
-              </a:lnSpc>
-              <a:spcBef>
-                <a:spcPts val="1000"/>
-              </a:spcBef>
-              <a:spcAft>
-                <a:spcPts val="0"/>
-              </a:spcAft>
-              <a:buClr>
-                <a:schemeClr val="accent1"/>
-              </a:buClr>
-              <a:buSzPts val="2800"/>
-              <a:buFont typeface="Arial"/>
-              <a:buChar char="•"/>
-            </a:pPr>
-            <a:r>
-              <a:rPr lang="en-IN" sz="2800">
-                <a:solidFill>
-                  <a:schemeClr val="accent1"/>
-                </a:solidFill>
-                <a:latin typeface="Calibri"/>
-                <a:ea typeface="Calibri"/>
-                <a:cs typeface="Calibri"/>
-                <a:sym typeface="Calibri"/>
-              </a:rPr>
-              <a:t>Siddharth Singh|2024|Manipal Institute of Technology</a:t>
-            </a:r>
-            <a:endParaRPr sz="2800">
+            <a:endParaRPr b="1" sz="4630">
               <a:solidFill>
-                <a:schemeClr val="accent1"/>
-              </a:solidFill>
-              <a:latin typeface="Calibri"/>
-              <a:ea typeface="Calibri"/>
-              <a:cs typeface="Calibri"/>
-              <a:sym typeface="Calibri"/>
-            </a:endParaRPr>
-          </a:p>
-          <a:p>
-            <a:pPr indent="-50800" lvl="0" marL="228600" marR="0" rtl="0" algn="l">
-              <a:lnSpc>
-                <a:spcPct val="90000"/>
-              </a:lnSpc>
-              <a:spcBef>
-                <a:spcPts val="1000"/>
-              </a:spcBef>
-              <a:spcAft>
-                <a:spcPts val="0"/>
-              </a:spcAft>
-              <a:buClr>
-                <a:schemeClr val="dk1"/>
-              </a:buClr>
-              <a:buSzPts val="2800"/>
-              <a:buFont typeface="Arial"/>
-              <a:buNone/>
-            </a:pPr>
-            <a:r>
-              <a:t/>
-            </a:r>
-            <a:endParaRPr sz="2800">
-              <a:solidFill>
-                <a:schemeClr val="accent1"/>
-              </a:solidFill>
-              <a:latin typeface="Calibri"/>
-              <a:ea typeface="Calibri"/>
-              <a:cs typeface="Calibri"/>
-              <a:sym typeface="Calibri"/>
-            </a:endParaRPr>
-          </a:p>
-        </p:txBody>
-      </p:sp>
-      <p:sp>
-        <p:nvSpPr>
-          <p:cNvPr id="84" name="Google Shape;84;g13784e01403_0_0"/>
-          <p:cNvSpPr txBox="1"/>
-          <p:nvPr/>
-        </p:nvSpPr>
-        <p:spPr>
-          <a:xfrm>
-            <a:off x="534232" y="4022709"/>
-            <a:ext cx="9144000" cy="645300"/>
-          </a:xfrm>
-          <a:prstGeom prst="rect">
-            <a:avLst/>
-          </a:prstGeom>
-          <a:noFill/>
-          <a:ln>
-            <a:noFill/>
-          </a:ln>
-        </p:spPr>
-        <p:txBody>
-          <a:bodyPr anchorCtr="0" anchor="ctr" bIns="45700" lIns="91425" spcFirstLastPara="1" rIns="91425" wrap="square" tIns="45700">
-            <a:normAutofit lnSpcReduction="10000"/>
-          </a:bodyPr>
-          <a:lstStyle/>
-          <a:p>
-            <a:pPr indent="0" lvl="0" marL="0" marR="0" rtl="0" algn="l">
-              <a:lnSpc>
-                <a:spcPct val="90000"/>
-              </a:lnSpc>
-              <a:spcBef>
-                <a:spcPts val="0"/>
-              </a:spcBef>
-              <a:spcAft>
-                <a:spcPts val="0"/>
-              </a:spcAft>
-              <a:buClr>
                 <a:srgbClr val="5D2A85"/>
-              </a:buClr>
-              <a:buSzPts val="4400"/>
-              <a:buFont typeface="Calibri"/>
-              <a:buNone/>
-            </a:pPr>
-            <a:r>
-              <a:rPr b="1" lang="en-IN" sz="4400">
-                <a:solidFill>
-                  <a:srgbClr val="5D2A85"/>
-                </a:solidFill>
-                <a:latin typeface="Calibri"/>
-                <a:ea typeface="Calibri"/>
-                <a:cs typeface="Calibri"/>
-                <a:sym typeface="Calibri"/>
-              </a:rPr>
-              <a:t>Mentors</a:t>
-            </a:r>
-            <a:endParaRPr/>
-          </a:p>
-        </p:txBody>
-      </p:sp>
-      <p:sp>
-        <p:nvSpPr>
-          <p:cNvPr id="85" name="Google Shape;85;g13784e01403_0_0"/>
-          <p:cNvSpPr txBox="1"/>
-          <p:nvPr/>
-        </p:nvSpPr>
-        <p:spPr>
-          <a:xfrm>
-            <a:off x="534225" y="4979625"/>
-            <a:ext cx="9144000" cy="1256100"/>
-          </a:xfrm>
-          <a:prstGeom prst="rect">
-            <a:avLst/>
-          </a:prstGeom>
-          <a:noFill/>
-          <a:ln>
-            <a:noFill/>
-          </a:ln>
-        </p:spPr>
-        <p:txBody>
-          <a:bodyPr anchorCtr="0" anchor="t" bIns="45700" lIns="91425" spcFirstLastPara="1" rIns="91425" wrap="square" tIns="45700">
-            <a:noAutofit/>
-          </a:bodyPr>
-          <a:lstStyle/>
-          <a:p>
-            <a:pPr indent="-228600" lvl="0" marL="228600" marR="0" rtl="0" algn="l">
-              <a:lnSpc>
-                <a:spcPct val="90000"/>
-              </a:lnSpc>
-              <a:spcBef>
-                <a:spcPts val="0"/>
-              </a:spcBef>
-              <a:spcAft>
-                <a:spcPts val="0"/>
-              </a:spcAft>
-              <a:buClr>
-                <a:schemeClr val="accent1"/>
-              </a:buClr>
-              <a:buSzPts val="2800"/>
-              <a:buFont typeface="Arial"/>
-              <a:buChar char="•"/>
-            </a:pPr>
-            <a:r>
-              <a:rPr lang="en-IN" sz="2800">
-                <a:solidFill>
-                  <a:schemeClr val="accent1"/>
-                </a:solidFill>
-                <a:latin typeface="Calibri"/>
-                <a:ea typeface="Calibri"/>
-                <a:cs typeface="Calibri"/>
-                <a:sym typeface="Calibri"/>
-              </a:rPr>
-              <a:t>V</a:t>
-            </a:r>
-            <a:endParaRPr/>
-          </a:p>
-          <a:p>
-            <a:pPr indent="-228600" lvl="0" marL="228600" marR="0" rtl="0" algn="l">
-              <a:lnSpc>
-                <a:spcPct val="90000"/>
-              </a:lnSpc>
-              <a:spcBef>
-                <a:spcPts val="1000"/>
-              </a:spcBef>
-              <a:spcAft>
-                <a:spcPts val="0"/>
-              </a:spcAft>
-              <a:buClr>
-                <a:schemeClr val="accent1"/>
-              </a:buClr>
-              <a:buSzPts val="2800"/>
-              <a:buFont typeface="Arial"/>
-              <a:buChar char="•"/>
-            </a:pPr>
-            <a:r>
-              <a:rPr lang="en-IN" sz="2800">
-                <a:solidFill>
-                  <a:schemeClr val="accent1"/>
-                </a:solidFill>
-                <a:latin typeface="Calibri"/>
-                <a:ea typeface="Calibri"/>
-                <a:cs typeface="Calibri"/>
-                <a:sym typeface="Calibri"/>
-              </a:rPr>
-              <a:t>A</a:t>
-            </a:r>
-            <a:endParaRPr sz="2800">
-              <a:solidFill>
-                <a:schemeClr val="accent1"/>
               </a:solidFill>
               <a:latin typeface="Calibri"/>
               <a:ea typeface="Calibri"/>
@@ -14860,7 +14619,142 @@
   <p:cSld>
     <p:spTree>
       <p:nvGrpSpPr>
-        <p:cNvPr id="143" name="Shape 143"/>
+        <p:cNvPr id="141" name="Shape 141"/>
+        <p:cNvGrpSpPr/>
+        <p:nvPr/>
+      </p:nvGrpSpPr>
+      <p:grpSpPr>
+        <a:xfrm>
+          <a:off x="0" y="0"/>
+          <a:ext cx="0" cy="0"/>
+          <a:chOff x="0" y="0"/>
+          <a:chExt cx="0" cy="0"/>
+        </a:xfrm>
+      </p:grpSpPr>
+      <p:pic>
+        <p:nvPicPr>
+          <p:cNvPr id="142" name="Google Shape;142;g1379d7083dc_3_0"/>
+          <p:cNvPicPr preferRelativeResize="0"/>
+          <p:nvPr/>
+        </p:nvPicPr>
+        <p:blipFill>
+          <a:blip r:embed="rId3">
+            <a:alphaModFix/>
+          </a:blip>
+          <a:stretch>
+            <a:fillRect/>
+          </a:stretch>
+        </p:blipFill>
+        <p:spPr>
+          <a:xfrm>
+            <a:off x="451400" y="673225"/>
+            <a:ext cx="5372876" cy="5511549"/>
+          </a:xfrm>
+          <a:prstGeom prst="rect">
+            <a:avLst/>
+          </a:prstGeom>
+          <a:noFill/>
+          <a:ln cap="flat" cmpd="sng" w="9525">
+            <a:solidFill>
+              <a:schemeClr val="dk1"/>
+            </a:solidFill>
+            <a:prstDash val="solid"/>
+            <a:round/>
+            <a:headEnd len="sm" w="sm" type="none"/>
+            <a:tailEnd len="sm" w="sm" type="none"/>
+          </a:ln>
+        </p:spPr>
+      </p:pic>
+      <p:pic>
+        <p:nvPicPr>
+          <p:cNvPr id="143" name="Google Shape;143;g1379d7083dc_3_0"/>
+          <p:cNvPicPr preferRelativeResize="0"/>
+          <p:nvPr/>
+        </p:nvPicPr>
+        <p:blipFill>
+          <a:blip r:embed="rId4">
+            <a:alphaModFix/>
+          </a:blip>
+          <a:stretch>
+            <a:fillRect/>
+          </a:stretch>
+        </p:blipFill>
+        <p:spPr>
+          <a:xfrm>
+            <a:off x="6369400" y="673225"/>
+            <a:ext cx="5372875" cy="5556797"/>
+          </a:xfrm>
+          <a:prstGeom prst="rect">
+            <a:avLst/>
+          </a:prstGeom>
+          <a:noFill/>
+          <a:ln cap="flat" cmpd="sng" w="9525">
+            <a:solidFill>
+              <a:schemeClr val="dk1"/>
+            </a:solidFill>
+            <a:prstDash val="solid"/>
+            <a:round/>
+            <a:headEnd len="sm" w="sm" type="none"/>
+            <a:tailEnd len="sm" w="sm" type="none"/>
+          </a:ln>
+        </p:spPr>
+      </p:pic>
+      <p:sp>
+        <p:nvSpPr>
+          <p:cNvPr id="144" name="Google Shape;144;g1379d7083dc_3_0"/>
+          <p:cNvSpPr txBox="1"/>
+          <p:nvPr/>
+        </p:nvSpPr>
+        <p:spPr>
+          <a:xfrm>
+            <a:off x="4161600" y="6319425"/>
+            <a:ext cx="3868800" cy="446400"/>
+          </a:xfrm>
+          <a:prstGeom prst="rect">
+            <a:avLst/>
+          </a:prstGeom>
+          <a:noFill/>
+          <a:ln>
+            <a:noFill/>
+          </a:ln>
+        </p:spPr>
+        <p:txBody>
+          <a:bodyPr anchorCtr="0" anchor="t" bIns="91425" lIns="91425" spcFirstLastPara="1" rIns="91425" wrap="square" tIns="91425">
+            <a:spAutoFit/>
+          </a:bodyPr>
+          <a:lstStyle/>
+          <a:p>
+            <a:pPr indent="0" lvl="0" marL="0" rtl="0" algn="ctr">
+              <a:spcBef>
+                <a:spcPts val="0"/>
+              </a:spcBef>
+              <a:spcAft>
+                <a:spcPts val="0"/>
+              </a:spcAft>
+              <a:buNone/>
+            </a:pPr>
+            <a:r>
+              <a:rPr lang="en-IN" sz="1700"/>
+              <a:t>Screenshots From API</a:t>
+            </a:r>
+            <a:endParaRPr sz="1700"/>
+          </a:p>
+        </p:txBody>
+      </p:sp>
+    </p:spTree>
+  </p:cSld>
+  <p:clrMapOvr>
+    <a:masterClrMapping/>
+  </p:clrMapOvr>
+</p:sld>
+</file>
+
+<file path=ppt/slides/slide11.xml><?xml version="1.0" encoding="utf-8"?>
+<p:sld xmlns:a="http://schemas.openxmlformats.org/drawingml/2006/main" xmlns:r="http://schemas.openxmlformats.org/officeDocument/2006/relationships" xmlns:mc="http://schemas.openxmlformats.org/markup-compatibility/2006" xmlns:mv="urn:schemas-microsoft-com:mac:vml" xmlns:p="http://schemas.openxmlformats.org/presentationml/2006/main" xmlns:c="http://schemas.openxmlformats.org/drawingml/2006/chart" xmlns:dgm="http://schemas.openxmlformats.org/drawingml/2006/diagram" xmlns:o="urn:schemas-microsoft-com:office:office" xmlns:v="urn:schemas-microsoft-com:vml" xmlns:pvml="urn:schemas-microsoft-com:office:powerpoint" xmlns:com="http://schemas.openxmlformats.org/drawingml/2006/compatibility" xmlns:p14="http://schemas.microsoft.com/office/powerpoint/2010/main" xmlns:p15="http://schemas.microsoft.com/office/powerpoint/2012/main" xmlns:ahyp="http://schemas.microsoft.com/office/drawing/2018/hyperlinkcolor">
+  <p:cSld>
+    <p:spTree>
+      <p:nvGrpSpPr>
+        <p:cNvPr id="148" name="Shape 148"/>
         <p:cNvGrpSpPr/>
         <p:nvPr/>
       </p:nvGrpSpPr>
@@ -14874,7 +14768,7 @@
       </p:grpSpPr>
       <p:sp>
         <p:nvSpPr>
-          <p:cNvPr id="144" name="Google Shape;144;p8"/>
+          <p:cNvPr id="149" name="Google Shape;149;p8"/>
           <p:cNvSpPr txBox="1"/>
           <p:nvPr/>
         </p:nvSpPr>
@@ -14932,7 +14826,7 @@
       </p:sp>
       <p:sp>
         <p:nvSpPr>
-          <p:cNvPr id="145" name="Google Shape;145;p8"/>
+          <p:cNvPr id="150" name="Google Shape;150;p8"/>
           <p:cNvSpPr txBox="1"/>
           <p:nvPr/>
         </p:nvSpPr>
@@ -15463,12 +15357,12 @@
 </p:sld>
 </file>
 
-<file path=ppt/slides/slide11.xml><?xml version="1.0" encoding="utf-8"?>
+<file path=ppt/slides/slide12.xml><?xml version="1.0" encoding="utf-8"?>
 <p:sld xmlns:a="http://schemas.openxmlformats.org/drawingml/2006/main" xmlns:r="http://schemas.openxmlformats.org/officeDocument/2006/relationships" xmlns:mc="http://schemas.openxmlformats.org/markup-compatibility/2006" xmlns:mv="urn:schemas-microsoft-com:mac:vml" xmlns:p="http://schemas.openxmlformats.org/presentationml/2006/main" xmlns:c="http://schemas.openxmlformats.org/drawingml/2006/chart" xmlns:dgm="http://schemas.openxmlformats.org/drawingml/2006/diagram" xmlns:o="urn:schemas-microsoft-com:office:office" xmlns:v="urn:schemas-microsoft-com:vml" xmlns:pvml="urn:schemas-microsoft-com:office:powerpoint" xmlns:com="http://schemas.openxmlformats.org/drawingml/2006/compatibility" xmlns:p14="http://schemas.microsoft.com/office/powerpoint/2010/main" xmlns:p15="http://schemas.microsoft.com/office/powerpoint/2012/main" xmlns:ahyp="http://schemas.microsoft.com/office/drawing/2018/hyperlinkcolor">
   <p:cSld>
     <p:spTree>
       <p:nvGrpSpPr>
-        <p:cNvPr id="149" name="Shape 149"/>
+        <p:cNvPr id="154" name="Shape 154"/>
         <p:cNvGrpSpPr/>
         <p:nvPr/>
       </p:nvGrpSpPr>
@@ -15482,7 +15376,7 @@
       </p:grpSpPr>
       <p:sp>
         <p:nvSpPr>
-          <p:cNvPr id="150" name="Google Shape;150;g134c782b980_1_5"/>
+          <p:cNvPr id="155" name="Google Shape;155;g134c782b980_1_5"/>
           <p:cNvSpPr txBox="1"/>
           <p:nvPr>
             <p:ph idx="1" type="body"/>
@@ -15829,7 +15723,7 @@
   <p:cSld>
     <p:spTree>
       <p:nvGrpSpPr>
-        <p:cNvPr id="89" name="Shape 89"/>
+        <p:cNvPr id="86" name="Shape 86"/>
         <p:cNvGrpSpPr/>
         <p:nvPr/>
       </p:nvGrpSpPr>
@@ -15843,7 +15737,439 @@
       </p:grpSpPr>
       <p:sp>
         <p:nvSpPr>
-          <p:cNvPr id="90" name="Google Shape;90;p2"/>
+          <p:cNvPr id="87" name="Google Shape;87;g134c782b980_1_31"/>
+          <p:cNvSpPr txBox="1"/>
+          <p:nvPr/>
+        </p:nvSpPr>
+        <p:spPr>
+          <a:xfrm>
+            <a:off x="534232" y="1075734"/>
+            <a:ext cx="9144000" cy="645300"/>
+          </a:xfrm>
+          <a:prstGeom prst="rect">
+            <a:avLst/>
+          </a:prstGeom>
+          <a:noFill/>
+          <a:ln>
+            <a:noFill/>
+          </a:ln>
+        </p:spPr>
+        <p:txBody>
+          <a:bodyPr anchorCtr="0" anchor="ctr" bIns="45700" lIns="91425" spcFirstLastPara="1" rIns="91425" wrap="square" tIns="45700">
+            <a:normAutofit lnSpcReduction="10000"/>
+          </a:bodyPr>
+          <a:lstStyle/>
+          <a:p>
+            <a:pPr indent="0" lvl="0" marL="0" marR="0" rtl="0" algn="l">
+              <a:lnSpc>
+                <a:spcPct val="90000"/>
+              </a:lnSpc>
+              <a:spcBef>
+                <a:spcPts val="0"/>
+              </a:spcBef>
+              <a:spcAft>
+                <a:spcPts val="0"/>
+              </a:spcAft>
+              <a:buClr>
+                <a:srgbClr val="5D2A85"/>
+              </a:buClr>
+              <a:buSzPts val="4400"/>
+              <a:buFont typeface="Calibri"/>
+              <a:buNone/>
+            </a:pPr>
+            <a:r>
+              <a:rPr b="1" lang="en-IN" sz="4400">
+                <a:solidFill>
+                  <a:srgbClr val="5D2A85"/>
+                </a:solidFill>
+                <a:latin typeface="Calibri"/>
+                <a:ea typeface="Calibri"/>
+                <a:cs typeface="Calibri"/>
+                <a:sym typeface="Calibri"/>
+              </a:rPr>
+              <a:t>Team Phoenix</a:t>
+            </a:r>
+            <a:endParaRPr/>
+          </a:p>
+        </p:txBody>
+      </p:sp>
+      <p:sp>
+        <p:nvSpPr>
+          <p:cNvPr id="88" name="Google Shape;88;g134c782b980_1_31"/>
+          <p:cNvSpPr txBox="1"/>
+          <p:nvPr/>
+        </p:nvSpPr>
+        <p:spPr>
+          <a:xfrm>
+            <a:off x="534225" y="1818900"/>
+            <a:ext cx="9144000" cy="2849100"/>
+          </a:xfrm>
+          <a:prstGeom prst="rect">
+            <a:avLst/>
+          </a:prstGeom>
+          <a:noFill/>
+          <a:ln>
+            <a:noFill/>
+          </a:ln>
+        </p:spPr>
+        <p:txBody>
+          <a:bodyPr anchorCtr="0" anchor="t" bIns="45700" lIns="91425" spcFirstLastPara="1" rIns="91425" wrap="square" tIns="45700">
+            <a:noAutofit/>
+          </a:bodyPr>
+          <a:lstStyle/>
+          <a:p>
+            <a:pPr indent="-228600" lvl="0" marL="228600" marR="0" rtl="0" algn="l">
+              <a:lnSpc>
+                <a:spcPct val="90000"/>
+              </a:lnSpc>
+              <a:spcBef>
+                <a:spcPts val="0"/>
+              </a:spcBef>
+              <a:spcAft>
+                <a:spcPts val="0"/>
+              </a:spcAft>
+              <a:buClr>
+                <a:schemeClr val="accent1"/>
+              </a:buClr>
+              <a:buSzPts val="2800"/>
+              <a:buFont typeface="Arial"/>
+              <a:buChar char="•"/>
+            </a:pPr>
+            <a:r>
+              <a:rPr lang="en-IN" sz="2800">
+                <a:solidFill>
+                  <a:schemeClr val="accent1"/>
+                </a:solidFill>
+                <a:latin typeface="Calibri"/>
+                <a:ea typeface="Calibri"/>
+                <a:cs typeface="Calibri"/>
+                <a:sym typeface="Calibri"/>
+              </a:rPr>
+              <a:t>Yaswanth Biruduraju|2024|Manipal Institute of Technology</a:t>
+            </a:r>
+            <a:endParaRPr/>
+          </a:p>
+          <a:p>
+            <a:pPr indent="-228600" lvl="0" marL="228600" marR="0" rtl="0" algn="l">
+              <a:lnSpc>
+                <a:spcPct val="90000"/>
+              </a:lnSpc>
+              <a:spcBef>
+                <a:spcPts val="1000"/>
+              </a:spcBef>
+              <a:spcAft>
+                <a:spcPts val="0"/>
+              </a:spcAft>
+              <a:buClr>
+                <a:schemeClr val="accent1"/>
+              </a:buClr>
+              <a:buSzPts val="2800"/>
+              <a:buFont typeface="Arial"/>
+              <a:buChar char="•"/>
+            </a:pPr>
+            <a:r>
+              <a:rPr lang="en-IN" sz="2800">
+                <a:solidFill>
+                  <a:schemeClr val="accent1"/>
+                </a:solidFill>
+                <a:latin typeface="Calibri"/>
+                <a:ea typeface="Calibri"/>
+                <a:cs typeface="Calibri"/>
+                <a:sym typeface="Calibri"/>
+              </a:rPr>
+              <a:t>Mihir Agarwal|2024|Manipal Institute of Technology</a:t>
+            </a:r>
+            <a:endParaRPr/>
+          </a:p>
+          <a:p>
+            <a:pPr indent="-228600" lvl="0" marL="228600" marR="0" rtl="0" algn="l">
+              <a:lnSpc>
+                <a:spcPct val="90000"/>
+              </a:lnSpc>
+              <a:spcBef>
+                <a:spcPts val="1000"/>
+              </a:spcBef>
+              <a:spcAft>
+                <a:spcPts val="0"/>
+              </a:spcAft>
+              <a:buClr>
+                <a:schemeClr val="accent1"/>
+              </a:buClr>
+              <a:buSzPts val="2800"/>
+              <a:buFont typeface="Arial"/>
+              <a:buChar char="•"/>
+            </a:pPr>
+            <a:r>
+              <a:rPr lang="en-IN" sz="2800">
+                <a:solidFill>
+                  <a:schemeClr val="accent1"/>
+                </a:solidFill>
+                <a:latin typeface="Calibri"/>
+                <a:ea typeface="Calibri"/>
+                <a:cs typeface="Calibri"/>
+                <a:sym typeface="Calibri"/>
+              </a:rPr>
+              <a:t>Pratinav Seth|2024|Manipal Institute of Technology</a:t>
+            </a:r>
+            <a:endParaRPr/>
+          </a:p>
+          <a:p>
+            <a:pPr indent="-228600" lvl="0" marL="228600" marR="0" rtl="0" algn="l">
+              <a:lnSpc>
+                <a:spcPct val="90000"/>
+              </a:lnSpc>
+              <a:spcBef>
+                <a:spcPts val="1000"/>
+              </a:spcBef>
+              <a:spcAft>
+                <a:spcPts val="0"/>
+              </a:spcAft>
+              <a:buClr>
+                <a:schemeClr val="accent1"/>
+              </a:buClr>
+              <a:buSzPts val="2800"/>
+              <a:buFont typeface="Arial"/>
+              <a:buChar char="•"/>
+            </a:pPr>
+            <a:r>
+              <a:rPr lang="en-IN" sz="2800">
+                <a:solidFill>
+                  <a:schemeClr val="accent1"/>
+                </a:solidFill>
+                <a:latin typeface="Calibri"/>
+                <a:ea typeface="Calibri"/>
+                <a:cs typeface="Calibri"/>
+                <a:sym typeface="Calibri"/>
+              </a:rPr>
+              <a:t>Siddharth Singh|2024|Manipal Institute of Technology</a:t>
+            </a:r>
+            <a:endParaRPr sz="2800">
+              <a:solidFill>
+                <a:schemeClr val="accent1"/>
+              </a:solidFill>
+              <a:latin typeface="Calibri"/>
+              <a:ea typeface="Calibri"/>
+              <a:cs typeface="Calibri"/>
+              <a:sym typeface="Calibri"/>
+            </a:endParaRPr>
+          </a:p>
+          <a:p>
+            <a:pPr indent="-50800" lvl="0" marL="228600" marR="0" rtl="0" algn="l">
+              <a:lnSpc>
+                <a:spcPct val="90000"/>
+              </a:lnSpc>
+              <a:spcBef>
+                <a:spcPts val="1000"/>
+              </a:spcBef>
+              <a:spcAft>
+                <a:spcPts val="0"/>
+              </a:spcAft>
+              <a:buClr>
+                <a:schemeClr val="dk1"/>
+              </a:buClr>
+              <a:buSzPts val="2800"/>
+              <a:buFont typeface="Arial"/>
+              <a:buNone/>
+            </a:pPr>
+            <a:r>
+              <a:t/>
+            </a:r>
+            <a:endParaRPr sz="2800">
+              <a:solidFill>
+                <a:schemeClr val="accent1"/>
+              </a:solidFill>
+              <a:latin typeface="Calibri"/>
+              <a:ea typeface="Calibri"/>
+              <a:cs typeface="Calibri"/>
+              <a:sym typeface="Calibri"/>
+            </a:endParaRPr>
+          </a:p>
+        </p:txBody>
+      </p:sp>
+      <p:sp>
+        <p:nvSpPr>
+          <p:cNvPr id="89" name="Google Shape;89;g134c782b980_1_31"/>
+          <p:cNvSpPr txBox="1"/>
+          <p:nvPr/>
+        </p:nvSpPr>
+        <p:spPr>
+          <a:xfrm>
+            <a:off x="534232" y="4022709"/>
+            <a:ext cx="9144000" cy="645300"/>
+          </a:xfrm>
+          <a:prstGeom prst="rect">
+            <a:avLst/>
+          </a:prstGeom>
+          <a:noFill/>
+          <a:ln>
+            <a:noFill/>
+          </a:ln>
+        </p:spPr>
+        <p:txBody>
+          <a:bodyPr anchorCtr="0" anchor="ctr" bIns="45700" lIns="91425" spcFirstLastPara="1" rIns="91425" wrap="square" tIns="45700">
+            <a:normAutofit lnSpcReduction="10000"/>
+          </a:bodyPr>
+          <a:lstStyle/>
+          <a:p>
+            <a:pPr indent="0" lvl="0" marL="0" marR="0" rtl="0" algn="l">
+              <a:lnSpc>
+                <a:spcPct val="90000"/>
+              </a:lnSpc>
+              <a:spcBef>
+                <a:spcPts val="0"/>
+              </a:spcBef>
+              <a:spcAft>
+                <a:spcPts val="0"/>
+              </a:spcAft>
+              <a:buClr>
+                <a:srgbClr val="5D2A85"/>
+              </a:buClr>
+              <a:buSzPts val="4400"/>
+              <a:buFont typeface="Calibri"/>
+              <a:buNone/>
+            </a:pPr>
+            <a:r>
+              <a:rPr b="1" lang="en-IN" sz="4400">
+                <a:solidFill>
+                  <a:srgbClr val="5D2A85"/>
+                </a:solidFill>
+                <a:latin typeface="Calibri"/>
+                <a:ea typeface="Calibri"/>
+                <a:cs typeface="Calibri"/>
+                <a:sym typeface="Calibri"/>
+              </a:rPr>
+              <a:t>Mentors</a:t>
+            </a:r>
+            <a:endParaRPr/>
+          </a:p>
+        </p:txBody>
+      </p:sp>
+      <p:sp>
+        <p:nvSpPr>
+          <p:cNvPr id="90" name="Google Shape;90;g134c782b980_1_31"/>
+          <p:cNvSpPr txBox="1"/>
+          <p:nvPr/>
+        </p:nvSpPr>
+        <p:spPr>
+          <a:xfrm>
+            <a:off x="534225" y="4979625"/>
+            <a:ext cx="9144000" cy="1256100"/>
+          </a:xfrm>
+          <a:prstGeom prst="rect">
+            <a:avLst/>
+          </a:prstGeom>
+          <a:noFill/>
+          <a:ln>
+            <a:noFill/>
+          </a:ln>
+        </p:spPr>
+        <p:txBody>
+          <a:bodyPr anchorCtr="0" anchor="t" bIns="45700" lIns="91425" spcFirstLastPara="1" rIns="91425" wrap="square" tIns="45700">
+            <a:noAutofit/>
+          </a:bodyPr>
+          <a:lstStyle/>
+          <a:p>
+            <a:pPr indent="-228600" lvl="0" marL="228600" marR="0" rtl="0" algn="l">
+              <a:lnSpc>
+                <a:spcPct val="90000"/>
+              </a:lnSpc>
+              <a:spcBef>
+                <a:spcPts val="0"/>
+              </a:spcBef>
+              <a:spcAft>
+                <a:spcPts val="0"/>
+              </a:spcAft>
+              <a:buClr>
+                <a:schemeClr val="accent1"/>
+              </a:buClr>
+              <a:buSzPts val="2800"/>
+              <a:buFont typeface="Arial"/>
+              <a:buChar char="•"/>
+            </a:pPr>
+            <a:r>
+              <a:rPr lang="en-IN" sz="2800">
+                <a:solidFill>
+                  <a:schemeClr val="accent1"/>
+                </a:solidFill>
+                <a:latin typeface="Calibri"/>
+                <a:ea typeface="Calibri"/>
+                <a:cs typeface="Calibri"/>
+                <a:sym typeface="Calibri"/>
+              </a:rPr>
+              <a:t>V</a:t>
+            </a:r>
+            <a:endParaRPr/>
+          </a:p>
+          <a:p>
+            <a:pPr indent="-228600" lvl="0" marL="228600" marR="0" rtl="0" algn="l">
+              <a:lnSpc>
+                <a:spcPct val="90000"/>
+              </a:lnSpc>
+              <a:spcBef>
+                <a:spcPts val="1000"/>
+              </a:spcBef>
+              <a:spcAft>
+                <a:spcPts val="0"/>
+              </a:spcAft>
+              <a:buClr>
+                <a:schemeClr val="accent1"/>
+              </a:buClr>
+              <a:buSzPts val="2800"/>
+              <a:buFont typeface="Arial"/>
+              <a:buChar char="•"/>
+            </a:pPr>
+            <a:r>
+              <a:rPr lang="en-IN" sz="2800">
+                <a:solidFill>
+                  <a:schemeClr val="accent1"/>
+                </a:solidFill>
+                <a:latin typeface="Calibri"/>
+                <a:ea typeface="Calibri"/>
+                <a:cs typeface="Calibri"/>
+                <a:sym typeface="Calibri"/>
+              </a:rPr>
+              <a:t>A</a:t>
+            </a:r>
+            <a:endParaRPr sz="2800">
+              <a:solidFill>
+                <a:schemeClr val="accent1"/>
+              </a:solidFill>
+              <a:latin typeface="Calibri"/>
+              <a:ea typeface="Calibri"/>
+              <a:cs typeface="Calibri"/>
+              <a:sym typeface="Calibri"/>
+            </a:endParaRPr>
+          </a:p>
+        </p:txBody>
+      </p:sp>
+    </p:spTree>
+  </p:cSld>
+  <p:clrMapOvr>
+    <a:masterClrMapping/>
+  </p:clrMapOvr>
+</p:sld>
+</file>
+
+<file path=ppt/slides/slide3.xml><?xml version="1.0" encoding="utf-8"?>
+<p:sld xmlns:a="http://schemas.openxmlformats.org/drawingml/2006/main" xmlns:r="http://schemas.openxmlformats.org/officeDocument/2006/relationships" xmlns:mc="http://schemas.openxmlformats.org/markup-compatibility/2006" xmlns:mv="urn:schemas-microsoft-com:mac:vml" xmlns:p="http://schemas.openxmlformats.org/presentationml/2006/main" xmlns:c="http://schemas.openxmlformats.org/drawingml/2006/chart" xmlns:dgm="http://schemas.openxmlformats.org/drawingml/2006/diagram" xmlns:o="urn:schemas-microsoft-com:office:office" xmlns:v="urn:schemas-microsoft-com:vml" xmlns:pvml="urn:schemas-microsoft-com:office:powerpoint" xmlns:com="http://schemas.openxmlformats.org/drawingml/2006/compatibility" xmlns:p14="http://schemas.microsoft.com/office/powerpoint/2010/main" xmlns:p15="http://schemas.microsoft.com/office/powerpoint/2012/main" xmlns:ahyp="http://schemas.microsoft.com/office/drawing/2018/hyperlinkcolor">
+  <p:cSld>
+    <p:spTree>
+      <p:nvGrpSpPr>
+        <p:cNvPr id="94" name="Shape 94"/>
+        <p:cNvGrpSpPr/>
+        <p:nvPr/>
+      </p:nvGrpSpPr>
+      <p:grpSpPr>
+        <a:xfrm>
+          <a:off x="0" y="0"/>
+          <a:ext cx="0" cy="0"/>
+          <a:chOff x="0" y="0"/>
+          <a:chExt cx="0" cy="0"/>
+        </a:xfrm>
+      </p:grpSpPr>
+      <p:sp>
+        <p:nvSpPr>
+          <p:cNvPr id="95" name="Google Shape;95;p2"/>
           <p:cNvSpPr txBox="1"/>
           <p:nvPr/>
         </p:nvSpPr>
@@ -15893,7 +16219,7 @@
                 <a:cs typeface="Calibri"/>
                 <a:sym typeface="Calibri"/>
               </a:rPr>
-              <a:t>Problem Statements</a:t>
+              <a:t>Problem Statements </a:t>
             </a:r>
             <a:r>
               <a:rPr b="1" lang="en-IN" sz="4400">
@@ -15905,7 +16231,7 @@
                 <a:cs typeface="Calibri"/>
                 <a:sym typeface="Calibri"/>
               </a:rPr>
-              <a:t> </a:t>
+              <a:t>(SNAP Co-purchasing)</a:t>
             </a:r>
             <a:endParaRPr sz="6000">
               <a:solidFill>
@@ -15921,7 +16247,7 @@
       </p:sp>
       <p:sp>
         <p:nvSpPr>
-          <p:cNvPr id="91" name="Google Shape;91;p2"/>
+          <p:cNvPr id="96" name="Google Shape;96;p2"/>
           <p:cNvSpPr txBox="1"/>
           <p:nvPr/>
         </p:nvSpPr>
@@ -16240,12 +16566,12 @@
 </p:sld>
 </file>
 
-<file path=ppt/slides/slide3.xml><?xml version="1.0" encoding="utf-8"?>
+<file path=ppt/slides/slide4.xml><?xml version="1.0" encoding="utf-8"?>
 <p:sld xmlns:a="http://schemas.openxmlformats.org/drawingml/2006/main" xmlns:r="http://schemas.openxmlformats.org/officeDocument/2006/relationships" xmlns:mc="http://schemas.openxmlformats.org/markup-compatibility/2006" xmlns:mv="urn:schemas-microsoft-com:mac:vml" xmlns:p="http://schemas.openxmlformats.org/presentationml/2006/main" xmlns:c="http://schemas.openxmlformats.org/drawingml/2006/chart" xmlns:dgm="http://schemas.openxmlformats.org/drawingml/2006/diagram" xmlns:o="urn:schemas-microsoft-com:office:office" xmlns:v="urn:schemas-microsoft-com:vml" xmlns:pvml="urn:schemas-microsoft-com:office:powerpoint" xmlns:com="http://schemas.openxmlformats.org/drawingml/2006/compatibility" xmlns:p14="http://schemas.microsoft.com/office/powerpoint/2010/main" xmlns:p15="http://schemas.microsoft.com/office/powerpoint/2012/main" xmlns:ahyp="http://schemas.microsoft.com/office/drawing/2018/hyperlinkcolor">
   <p:cSld>
     <p:spTree>
       <p:nvGrpSpPr>
-        <p:cNvPr id="95" name="Shape 95"/>
+        <p:cNvPr id="100" name="Shape 100"/>
         <p:cNvGrpSpPr/>
         <p:nvPr/>
       </p:nvGrpSpPr>
@@ -16259,7 +16585,7 @@
       </p:grpSpPr>
       <p:sp>
         <p:nvSpPr>
-          <p:cNvPr id="96" name="Google Shape;96;p3"/>
+          <p:cNvPr id="101" name="Google Shape;101;p3"/>
           <p:cNvSpPr txBox="1"/>
           <p:nvPr/>
         </p:nvSpPr>
@@ -16317,7 +16643,7 @@
       </p:sp>
       <p:sp>
         <p:nvSpPr>
-          <p:cNvPr id="97" name="Google Shape;97;p3"/>
+          <p:cNvPr id="102" name="Google Shape;102;p3"/>
           <p:cNvSpPr txBox="1"/>
           <p:nvPr/>
         </p:nvSpPr>
@@ -16595,7 +16921,7 @@
       </p:sp>
       <p:pic>
         <p:nvPicPr>
-          <p:cNvPr id="98" name="Google Shape;98;p3"/>
+          <p:cNvPr id="103" name="Google Shape;103;p3"/>
           <p:cNvPicPr preferRelativeResize="0"/>
           <p:nvPr/>
         </p:nvPicPr>
@@ -16610,59 +16936,6 @@
         <p:spPr>
           <a:xfrm>
             <a:off x="3952325" y="1052225"/>
-            <a:ext cx="8239675" cy="4764499"/>
-          </a:xfrm>
-          <a:prstGeom prst="rect">
-            <a:avLst/>
-          </a:prstGeom>
-          <a:noFill/>
-          <a:ln>
-            <a:noFill/>
-          </a:ln>
-        </p:spPr>
-      </p:pic>
-    </p:spTree>
-  </p:cSld>
-  <p:clrMapOvr>
-    <a:masterClrMapping/>
-  </p:clrMapOvr>
-</p:sld>
-</file>
-
-<file path=ppt/slides/slide4.xml><?xml version="1.0" encoding="utf-8"?>
-<p:sld xmlns:a="http://schemas.openxmlformats.org/drawingml/2006/main" xmlns:r="http://schemas.openxmlformats.org/officeDocument/2006/relationships" xmlns:mc="http://schemas.openxmlformats.org/markup-compatibility/2006" xmlns:mv="urn:schemas-microsoft-com:mac:vml" xmlns:p="http://schemas.openxmlformats.org/presentationml/2006/main" xmlns:c="http://schemas.openxmlformats.org/drawingml/2006/chart" xmlns:dgm="http://schemas.openxmlformats.org/drawingml/2006/diagram" xmlns:o="urn:schemas-microsoft-com:office:office" xmlns:v="urn:schemas-microsoft-com:vml" xmlns:pvml="urn:schemas-microsoft-com:office:powerpoint" xmlns:com="http://schemas.openxmlformats.org/drawingml/2006/compatibility" xmlns:p14="http://schemas.microsoft.com/office/powerpoint/2010/main" xmlns:p15="http://schemas.microsoft.com/office/powerpoint/2012/main" xmlns:ahyp="http://schemas.microsoft.com/office/drawing/2018/hyperlinkcolor">
-  <p:cSld>
-    <p:spTree>
-      <p:nvGrpSpPr>
-        <p:cNvPr id="102" name="Shape 102"/>
-        <p:cNvGrpSpPr/>
-        <p:nvPr/>
-      </p:nvGrpSpPr>
-      <p:grpSpPr>
-        <a:xfrm>
-          <a:off x="0" y="0"/>
-          <a:ext cx="0" cy="0"/>
-          <a:chOff x="0" y="0"/>
-          <a:chExt cx="0" cy="0"/>
-        </a:xfrm>
-      </p:grpSpPr>
-      <p:pic>
-        <p:nvPicPr>
-          <p:cNvPr id="103" name="Google Shape;103;g134c782b980_7_0"/>
-          <p:cNvPicPr preferRelativeResize="0"/>
-          <p:nvPr/>
-        </p:nvPicPr>
-        <p:blipFill>
-          <a:blip r:embed="rId3">
-            <a:alphaModFix/>
-          </a:blip>
-          <a:stretch>
-            <a:fillRect/>
-          </a:stretch>
-        </p:blipFill>
-        <p:spPr>
-          <a:xfrm>
-            <a:off x="1757775" y="1046750"/>
             <a:ext cx="8239675" cy="4764499"/>
           </a:xfrm>
           <a:prstGeom prst="rect">
@@ -16699,9 +16972,62 @@
           <a:chExt cx="0" cy="0"/>
         </a:xfrm>
       </p:grpSpPr>
+      <p:pic>
+        <p:nvPicPr>
+          <p:cNvPr id="108" name="Google Shape;108;g134c782b980_7_0"/>
+          <p:cNvPicPr preferRelativeResize="0"/>
+          <p:nvPr/>
+        </p:nvPicPr>
+        <p:blipFill>
+          <a:blip r:embed="rId3">
+            <a:alphaModFix/>
+          </a:blip>
+          <a:stretch>
+            <a:fillRect/>
+          </a:stretch>
+        </p:blipFill>
+        <p:spPr>
+          <a:xfrm>
+            <a:off x="1757775" y="1046750"/>
+            <a:ext cx="8239675" cy="4764499"/>
+          </a:xfrm>
+          <a:prstGeom prst="rect">
+            <a:avLst/>
+          </a:prstGeom>
+          <a:noFill/>
+          <a:ln>
+            <a:noFill/>
+          </a:ln>
+        </p:spPr>
+      </p:pic>
+    </p:spTree>
+  </p:cSld>
+  <p:clrMapOvr>
+    <a:masterClrMapping/>
+  </p:clrMapOvr>
+</p:sld>
+</file>
+
+<file path=ppt/slides/slide6.xml><?xml version="1.0" encoding="utf-8"?>
+<p:sld xmlns:a="http://schemas.openxmlformats.org/drawingml/2006/main" xmlns:r="http://schemas.openxmlformats.org/officeDocument/2006/relationships" xmlns:mc="http://schemas.openxmlformats.org/markup-compatibility/2006" xmlns:mv="urn:schemas-microsoft-com:mac:vml" xmlns:p="http://schemas.openxmlformats.org/presentationml/2006/main" xmlns:c="http://schemas.openxmlformats.org/drawingml/2006/chart" xmlns:dgm="http://schemas.openxmlformats.org/drawingml/2006/diagram" xmlns:o="urn:schemas-microsoft-com:office:office" xmlns:v="urn:schemas-microsoft-com:vml" xmlns:pvml="urn:schemas-microsoft-com:office:powerpoint" xmlns:com="http://schemas.openxmlformats.org/drawingml/2006/compatibility" xmlns:p14="http://schemas.microsoft.com/office/powerpoint/2010/main" xmlns:p15="http://schemas.microsoft.com/office/powerpoint/2012/main" xmlns:ahyp="http://schemas.microsoft.com/office/drawing/2018/hyperlinkcolor">
+  <p:cSld>
+    <p:spTree>
+      <p:nvGrpSpPr>
+        <p:cNvPr id="112" name="Shape 112"/>
+        <p:cNvGrpSpPr/>
+        <p:nvPr/>
+      </p:nvGrpSpPr>
+      <p:grpSpPr>
+        <a:xfrm>
+          <a:off x="0" y="0"/>
+          <a:ext cx="0" cy="0"/>
+          <a:chOff x="0" y="0"/>
+          <a:chExt cx="0" cy="0"/>
+        </a:xfrm>
+      </p:grpSpPr>
       <p:sp>
         <p:nvSpPr>
-          <p:cNvPr id="108" name="Google Shape;108;p4"/>
+          <p:cNvPr id="113" name="Google Shape;113;p4"/>
           <p:cNvSpPr txBox="1"/>
           <p:nvPr/>
         </p:nvSpPr>
@@ -16759,7 +17085,7 @@
       </p:sp>
       <p:sp>
         <p:nvSpPr>
-          <p:cNvPr id="109" name="Google Shape;109;p4"/>
+          <p:cNvPr id="114" name="Google Shape;114;p4"/>
           <p:cNvSpPr txBox="1"/>
           <p:nvPr/>
         </p:nvSpPr>
@@ -16936,7 +17262,7 @@
       </p:sp>
       <p:pic>
         <p:nvPicPr>
-          <p:cNvPr id="110" name="Google Shape;110;p4"/>
+          <p:cNvPr id="115" name="Google Shape;115;p4"/>
           <p:cNvPicPr preferRelativeResize="0"/>
           <p:nvPr/>
         </p:nvPicPr>
@@ -16970,12 +17296,12 @@
 </p:sld>
 </file>
 
-<file path=ppt/slides/slide6.xml><?xml version="1.0" encoding="utf-8"?>
+<file path=ppt/slides/slide7.xml><?xml version="1.0" encoding="utf-8"?>
 <p:sld xmlns:a="http://schemas.openxmlformats.org/drawingml/2006/main" xmlns:r="http://schemas.openxmlformats.org/officeDocument/2006/relationships" xmlns:mc="http://schemas.openxmlformats.org/markup-compatibility/2006" xmlns:mv="urn:schemas-microsoft-com:mac:vml" xmlns:p="http://schemas.openxmlformats.org/presentationml/2006/main" xmlns:c="http://schemas.openxmlformats.org/drawingml/2006/chart" xmlns:dgm="http://schemas.openxmlformats.org/drawingml/2006/diagram" xmlns:o="urn:schemas-microsoft-com:office:office" xmlns:v="urn:schemas-microsoft-com:vml" xmlns:pvml="urn:schemas-microsoft-com:office:powerpoint" xmlns:com="http://schemas.openxmlformats.org/drawingml/2006/compatibility" xmlns:p14="http://schemas.microsoft.com/office/powerpoint/2010/main" xmlns:p15="http://schemas.microsoft.com/office/powerpoint/2012/main" xmlns:ahyp="http://schemas.microsoft.com/office/drawing/2018/hyperlinkcolor">
   <p:cSld>
     <p:spTree>
       <p:nvGrpSpPr>
-        <p:cNvPr id="114" name="Shape 114"/>
+        <p:cNvPr id="119" name="Shape 119"/>
         <p:cNvGrpSpPr/>
         <p:nvPr/>
       </p:nvGrpSpPr>
@@ -16989,7 +17315,7 @@
       </p:grpSpPr>
       <p:sp>
         <p:nvSpPr>
-          <p:cNvPr id="115" name="Google Shape;115;p5"/>
+          <p:cNvPr id="120" name="Google Shape;120;p5"/>
           <p:cNvSpPr txBox="1"/>
           <p:nvPr/>
         </p:nvSpPr>
@@ -17047,7 +17373,7 @@
       </p:sp>
       <p:sp>
         <p:nvSpPr>
-          <p:cNvPr id="116" name="Google Shape;116;p5"/>
+          <p:cNvPr id="121" name="Google Shape;121;p5"/>
           <p:cNvSpPr txBox="1"/>
           <p:nvPr/>
         </p:nvSpPr>
@@ -17369,7 +17695,7 @@
       </p:sp>
       <p:pic>
         <p:nvPicPr>
-          <p:cNvPr id="117" name="Google Shape;117;p5"/>
+          <p:cNvPr id="122" name="Google Shape;122;p5"/>
           <p:cNvPicPr preferRelativeResize="0"/>
           <p:nvPr/>
         </p:nvPicPr>
@@ -17397,7 +17723,7 @@
       </p:pic>
       <p:pic>
         <p:nvPicPr>
-          <p:cNvPr id="118" name="Google Shape;118;p5"/>
+          <p:cNvPr id="123" name="Google Shape;123;p5"/>
           <p:cNvPicPr preferRelativeResize="0"/>
           <p:nvPr/>
         </p:nvPicPr>
@@ -17425,7 +17751,7 @@
       </p:pic>
       <p:sp>
         <p:nvSpPr>
-          <p:cNvPr id="119" name="Google Shape;119;p5"/>
+          <p:cNvPr id="124" name="Google Shape;124;p5"/>
           <p:cNvSpPr txBox="1"/>
           <p:nvPr/>
         </p:nvSpPr>
@@ -17527,12 +17853,12 @@
 </p:sld>
 </file>
 
-<file path=ppt/slides/slide7.xml><?xml version="1.0" encoding="utf-8"?>
+<file path=ppt/slides/slide8.xml><?xml version="1.0" encoding="utf-8"?>
 <p:sld xmlns:a="http://schemas.openxmlformats.org/drawingml/2006/main" xmlns:r="http://schemas.openxmlformats.org/officeDocument/2006/relationships" xmlns:mc="http://schemas.openxmlformats.org/markup-compatibility/2006" xmlns:mv="urn:schemas-microsoft-com:mac:vml" xmlns:p="http://schemas.openxmlformats.org/presentationml/2006/main" xmlns:c="http://schemas.openxmlformats.org/drawingml/2006/chart" xmlns:dgm="http://schemas.openxmlformats.org/drawingml/2006/diagram" xmlns:o="urn:schemas-microsoft-com:office:office" xmlns:v="urn:schemas-microsoft-com:vml" xmlns:pvml="urn:schemas-microsoft-com:office:powerpoint" xmlns:com="http://schemas.openxmlformats.org/drawingml/2006/compatibility" xmlns:p14="http://schemas.microsoft.com/office/powerpoint/2010/main" xmlns:p15="http://schemas.microsoft.com/office/powerpoint/2012/main" xmlns:ahyp="http://schemas.microsoft.com/office/drawing/2018/hyperlinkcolor">
   <p:cSld>
     <p:spTree>
       <p:nvGrpSpPr>
-        <p:cNvPr id="123" name="Shape 123"/>
+        <p:cNvPr id="128" name="Shape 128"/>
         <p:cNvGrpSpPr/>
         <p:nvPr/>
       </p:nvGrpSpPr>
@@ -17546,7 +17872,7 @@
       </p:grpSpPr>
       <p:sp>
         <p:nvSpPr>
-          <p:cNvPr id="124" name="Google Shape;124;p6"/>
+          <p:cNvPr id="129" name="Google Shape;129;p6"/>
           <p:cNvSpPr txBox="1"/>
           <p:nvPr/>
         </p:nvSpPr>
@@ -17604,7 +17930,7 @@
       </p:sp>
       <p:sp>
         <p:nvSpPr>
-          <p:cNvPr id="125" name="Google Shape;125;p6"/>
+          <p:cNvPr id="130" name="Google Shape;130;p6"/>
           <p:cNvSpPr txBox="1"/>
           <p:nvPr/>
         </p:nvSpPr>
@@ -17750,7 +18076,7 @@
       </p:sp>
       <p:pic>
         <p:nvPicPr>
-          <p:cNvPr id="126" name="Google Shape;126;p6"/>
+          <p:cNvPr id="131" name="Google Shape;131;p6"/>
           <p:cNvPicPr preferRelativeResize="0"/>
           <p:nvPr/>
         </p:nvPicPr>
@@ -17783,12 +18109,12 @@
 </p:sld>
 </file>
 
-<file path=ppt/slides/slide8.xml><?xml version="1.0" encoding="utf-8"?>
+<file path=ppt/slides/slide9.xml><?xml version="1.0" encoding="utf-8"?>
 <p:sld xmlns:a="http://schemas.openxmlformats.org/drawingml/2006/main" xmlns:r="http://schemas.openxmlformats.org/officeDocument/2006/relationships" xmlns:mc="http://schemas.openxmlformats.org/markup-compatibility/2006" xmlns:mv="urn:schemas-microsoft-com:mac:vml" xmlns:p="http://schemas.openxmlformats.org/presentationml/2006/main" xmlns:c="http://schemas.openxmlformats.org/drawingml/2006/chart" xmlns:dgm="http://schemas.openxmlformats.org/drawingml/2006/diagram" xmlns:o="urn:schemas-microsoft-com:office:office" xmlns:v="urn:schemas-microsoft-com:vml" xmlns:pvml="urn:schemas-microsoft-com:office:powerpoint" xmlns:com="http://schemas.openxmlformats.org/drawingml/2006/compatibility" xmlns:p14="http://schemas.microsoft.com/office/powerpoint/2010/main" xmlns:p15="http://schemas.microsoft.com/office/powerpoint/2012/main" xmlns:ahyp="http://schemas.microsoft.com/office/drawing/2018/hyperlinkcolor">
   <p:cSld>
     <p:spTree>
       <p:nvGrpSpPr>
-        <p:cNvPr id="130" name="Shape 130"/>
+        <p:cNvPr id="135" name="Shape 135"/>
         <p:cNvGrpSpPr/>
         <p:nvPr/>
       </p:nvGrpSpPr>
@@ -17802,7 +18128,7 @@
       </p:grpSpPr>
       <p:sp>
         <p:nvSpPr>
-          <p:cNvPr id="131" name="Google Shape;131;g13784e01403_2_222"/>
+          <p:cNvPr id="136" name="Google Shape;136;g13784e01403_2_222"/>
           <p:cNvSpPr txBox="1"/>
           <p:nvPr/>
         </p:nvSpPr>
@@ -17860,7 +18186,7 @@
       </p:sp>
       <p:sp>
         <p:nvSpPr>
-          <p:cNvPr id="132" name="Google Shape;132;g13784e01403_2_222"/>
+          <p:cNvPr id="137" name="Google Shape;137;g13784e01403_2_222"/>
           <p:cNvSpPr txBox="1"/>
           <p:nvPr/>
         </p:nvSpPr>
@@ -18182,142 +18508,286 @@
 </p:sld>
 </file>
 
-<file path=ppt/slides/slide9.xml><?xml version="1.0" encoding="utf-8"?>
-<p:sld xmlns:a="http://schemas.openxmlformats.org/drawingml/2006/main" xmlns:r="http://schemas.openxmlformats.org/officeDocument/2006/relationships" xmlns:mc="http://schemas.openxmlformats.org/markup-compatibility/2006" xmlns:mv="urn:schemas-microsoft-com:mac:vml" xmlns:p="http://schemas.openxmlformats.org/presentationml/2006/main" xmlns:c="http://schemas.openxmlformats.org/drawingml/2006/chart" xmlns:dgm="http://schemas.openxmlformats.org/drawingml/2006/diagram" xmlns:o="urn:schemas-microsoft-com:office:office" xmlns:v="urn:schemas-microsoft-com:vml" xmlns:pvml="urn:schemas-microsoft-com:office:powerpoint" xmlns:com="http://schemas.openxmlformats.org/drawingml/2006/compatibility" xmlns:p14="http://schemas.microsoft.com/office/powerpoint/2010/main" xmlns:p15="http://schemas.microsoft.com/office/powerpoint/2012/main" xmlns:ahyp="http://schemas.microsoft.com/office/drawing/2018/hyperlinkcolor">
-  <p:cSld>
-    <p:spTree>
-      <p:nvGrpSpPr>
-        <p:cNvPr id="136" name="Shape 136"/>
-        <p:cNvGrpSpPr/>
-        <p:nvPr/>
-      </p:nvGrpSpPr>
-      <p:grpSpPr>
-        <a:xfrm>
-          <a:off x="0" y="0"/>
-          <a:ext cx="0" cy="0"/>
-          <a:chOff x="0" y="0"/>
-          <a:chExt cx="0" cy="0"/>
-        </a:xfrm>
-      </p:grpSpPr>
-      <p:pic>
-        <p:nvPicPr>
-          <p:cNvPr id="137" name="Google Shape;137;g1379d7083dc_3_0"/>
-          <p:cNvPicPr preferRelativeResize="0"/>
-          <p:nvPr/>
-        </p:nvPicPr>
-        <p:blipFill>
-          <a:blip r:embed="rId3">
-            <a:alphaModFix/>
-          </a:blip>
-          <a:stretch>
-            <a:fillRect/>
-          </a:stretch>
-        </p:blipFill>
-        <p:spPr>
-          <a:xfrm>
-            <a:off x="451400" y="673225"/>
-            <a:ext cx="5372876" cy="5511549"/>
-          </a:xfrm>
-          <a:prstGeom prst="rect">
-            <a:avLst/>
-          </a:prstGeom>
-          <a:noFill/>
-          <a:ln cap="flat" cmpd="sng" w="9525">
-            <a:solidFill>
-              <a:schemeClr val="dk1"/>
-            </a:solidFill>
-            <a:prstDash val="solid"/>
-            <a:round/>
-            <a:headEnd len="sm" w="sm" type="none"/>
-            <a:tailEnd len="sm" w="sm" type="none"/>
-          </a:ln>
-        </p:spPr>
-      </p:pic>
-      <p:pic>
-        <p:nvPicPr>
-          <p:cNvPr id="138" name="Google Shape;138;g1379d7083dc_3_0"/>
-          <p:cNvPicPr preferRelativeResize="0"/>
-          <p:nvPr/>
-        </p:nvPicPr>
-        <p:blipFill>
-          <a:blip r:embed="rId4">
-            <a:alphaModFix/>
-          </a:blip>
-          <a:stretch>
-            <a:fillRect/>
-          </a:stretch>
-        </p:blipFill>
-        <p:spPr>
-          <a:xfrm>
-            <a:off x="6369400" y="673225"/>
-            <a:ext cx="5372875" cy="5556797"/>
-          </a:xfrm>
-          <a:prstGeom prst="rect">
-            <a:avLst/>
-          </a:prstGeom>
-          <a:noFill/>
-          <a:ln cap="flat" cmpd="sng" w="9525">
-            <a:solidFill>
-              <a:schemeClr val="dk1"/>
-            </a:solidFill>
-            <a:prstDash val="solid"/>
-            <a:round/>
-            <a:headEnd len="sm" w="sm" type="none"/>
-            <a:tailEnd len="sm" w="sm" type="none"/>
-          </a:ln>
-        </p:spPr>
-      </p:pic>
-      <p:sp>
-        <p:nvSpPr>
-          <p:cNvPr id="139" name="Google Shape;139;g1379d7083dc_3_0"/>
-          <p:cNvSpPr txBox="1"/>
-          <p:nvPr/>
-        </p:nvSpPr>
-        <p:spPr>
-          <a:xfrm>
-            <a:off x="4161600" y="6319425"/>
-            <a:ext cx="3868800" cy="446400"/>
-          </a:xfrm>
-          <a:prstGeom prst="rect">
-            <a:avLst/>
-          </a:prstGeom>
-          <a:noFill/>
-          <a:ln>
-            <a:noFill/>
-          </a:ln>
-        </p:spPr>
-        <p:txBody>
-          <a:bodyPr anchorCtr="0" anchor="t" bIns="91425" lIns="91425" spcFirstLastPara="1" rIns="91425" wrap="square" tIns="91425">
-            <a:spAutoFit/>
-          </a:bodyPr>
-          <a:lstStyle/>
-          <a:p>
-            <a:pPr indent="0" lvl="0" marL="0" rtl="0" algn="ctr">
-              <a:spcBef>
-                <a:spcPts val="0"/>
-              </a:spcBef>
-              <a:spcAft>
-                <a:spcPts val="0"/>
-              </a:spcAft>
-              <a:buNone/>
-            </a:pPr>
-            <a:r>
-              <a:rPr lang="en-IN" sz="1700"/>
-              <a:t>Screenshots From API</a:t>
-            </a:r>
-            <a:endParaRPr sz="1700"/>
-          </a:p>
-        </p:txBody>
-      </p:sp>
-    </p:spTree>
-  </p:cSld>
-  <p:clrMapOvr>
-    <a:masterClrMapping/>
-  </p:clrMapOvr>
-</p:sld>
+<file path=ppt/theme/theme1.xml><?xml version="1.0" encoding="utf-8"?>
+<a:theme xmlns:a="http://schemas.openxmlformats.org/drawingml/2006/main" xmlns:r="http://schemas.openxmlformats.org/officeDocument/2006/relationships" name="Office Theme">
+  <a:themeElements>
+    <a:clrScheme name="Office">
+      <a:dk1>
+        <a:srgbClr val="000000"/>
+      </a:dk1>
+      <a:lt1>
+        <a:srgbClr val="FFFFFF"/>
+      </a:lt1>
+      <a:dk2>
+        <a:srgbClr val="44546A"/>
+      </a:dk2>
+      <a:lt2>
+        <a:srgbClr val="E7E6E6"/>
+      </a:lt2>
+      <a:accent1>
+        <a:srgbClr val="4472C4"/>
+      </a:accent1>
+      <a:accent2>
+        <a:srgbClr val="ED7D31"/>
+      </a:accent2>
+      <a:accent3>
+        <a:srgbClr val="A5A5A5"/>
+      </a:accent3>
+      <a:accent4>
+        <a:srgbClr val="FFC000"/>
+      </a:accent4>
+      <a:accent5>
+        <a:srgbClr val="5B9BD5"/>
+      </a:accent5>
+      <a:accent6>
+        <a:srgbClr val="70AD47"/>
+      </a:accent6>
+      <a:hlink>
+        <a:srgbClr val="0563C1"/>
+      </a:hlink>
+      <a:folHlink>
+        <a:srgbClr val="954F72"/>
+      </a:folHlink>
+    </a:clrScheme>
+    <a:fontScheme name="Office">
+      <a:majorFont>
+        <a:latin typeface="Arial"/>
+        <a:ea typeface=""/>
+        <a:cs typeface=""/>
+        <a:font script="Jpan" typeface="ＭＳ Ｐゴシック"/>
+        <a:font script="Hang" typeface="맑은 고딕"/>
+        <a:font script="Hans" typeface="宋体"/>
+        <a:font script="Hant" typeface="新細明體"/>
+        <a:font script="Arab" typeface="Times New Roman"/>
+        <a:font script="Hebr" typeface="Times New Roman"/>
+        <a:font script="Thai" typeface="Angsana New"/>
+        <a:font script="Ethi" typeface="Nyala"/>
+        <a:font script="Beng" typeface="Vrinda"/>
+        <a:font script="Gujr" typeface="Shruti"/>
+        <a:font script="Khmr" typeface="MoolBoran"/>
+        <a:font script="Knda" typeface="Tunga"/>
+        <a:font script="Guru" typeface="Raavi"/>
+        <a:font script="Cans" typeface="Euphemia"/>
+        <a:font script="Cher" typeface="Plantagenet Cherokee"/>
+        <a:font script="Yiii" typeface="Microsoft Yi Baiti"/>
+        <a:font script="Tibt" typeface="Microsoft Himalaya"/>
+        <a:font script="Thaa" typeface="MV Boli"/>
+        <a:font script="Deva" typeface="Mangal"/>
+        <a:font script="Telu" typeface="Gautami"/>
+        <a:font script="Taml" typeface="Latha"/>
+        <a:font script="Syrc" typeface="Estrangelo Edessa"/>
+        <a:font script="Orya" typeface="Kalinga"/>
+        <a:font script="Mlym" typeface="Kartika"/>
+        <a:font script="Laoo" typeface="DokChampa"/>
+        <a:font script="Sinh" typeface="Iskoola Pota"/>
+        <a:font script="Mong" typeface="Mongolian Baiti"/>
+        <a:font script="Viet" typeface="Times New Roman"/>
+        <a:font script="Uigh" typeface="Microsoft Uighur"/>
+        <a:font script="Geor" typeface="Sylfaen"/>
+      </a:majorFont>
+      <a:minorFont>
+        <a:latin typeface="Arial"/>
+        <a:ea typeface=""/>
+        <a:cs typeface=""/>
+        <a:font script="Jpan" typeface="ＭＳ Ｐゴシック"/>
+        <a:font script="Hang" typeface="맑은 고딕"/>
+        <a:font script="Hans" typeface="宋体"/>
+        <a:font script="Hant" typeface="新細明體"/>
+        <a:font script="Arab" typeface="Arial"/>
+        <a:font script="Hebr" typeface="Arial"/>
+        <a:font script="Thai" typeface="Cordia New"/>
+        <a:font script="Ethi" typeface="Nyala"/>
+        <a:font script="Beng" typeface="Vrinda"/>
+        <a:font script="Gujr" typeface="Shruti"/>
+        <a:font script="Khmr" typeface="DaunPenh"/>
+        <a:font script="Knda" typeface="Tunga"/>
+        <a:font script="Guru" typeface="Raavi"/>
+        <a:font script="Cans" typeface="Euphemia"/>
+        <a:font script="Cher" typeface="Plantagenet Cherokee"/>
+        <a:font script="Yiii" typeface="Microsoft Yi Baiti"/>
+        <a:font script="Tibt" typeface="Microsoft Himalaya"/>
+        <a:font script="Thaa" typeface="MV Boli"/>
+        <a:font script="Deva" typeface="Mangal"/>
+        <a:font script="Telu" typeface="Gautami"/>
+        <a:font script="Taml" typeface="Latha"/>
+        <a:font script="Syrc" typeface="Estrangelo Edessa"/>
+        <a:font script="Orya" typeface="Kalinga"/>
+        <a:font script="Mlym" typeface="Kartika"/>
+        <a:font script="Laoo" typeface="DokChampa"/>
+        <a:font script="Sinh" typeface="Iskoola Pota"/>
+        <a:font script="Mong" typeface="Mongolian Baiti"/>
+        <a:font script="Viet" typeface="Arial"/>
+        <a:font script="Uigh" typeface="Microsoft Uighur"/>
+        <a:font script="Geor" typeface="Sylfaen"/>
+      </a:minorFont>
+    </a:fontScheme>
+    <a:fmtScheme name="Office">
+      <a:fillStyleLst>
+        <a:solidFill>
+          <a:schemeClr val="phClr"/>
+        </a:solidFill>
+        <a:gradFill rotWithShape="1">
+          <a:gsLst>
+            <a:gs pos="0">
+              <a:schemeClr val="phClr">
+                <a:tint val="50000"/>
+                <a:satMod val="300000"/>
+              </a:schemeClr>
+            </a:gs>
+            <a:gs pos="35000">
+              <a:schemeClr val="phClr">
+                <a:tint val="37000"/>
+                <a:satMod val="300000"/>
+              </a:schemeClr>
+            </a:gs>
+            <a:gs pos="100000">
+              <a:schemeClr val="phClr">
+                <a:tint val="15000"/>
+                <a:satMod val="350000"/>
+              </a:schemeClr>
+            </a:gs>
+          </a:gsLst>
+          <a:lin ang="16200000" scaled="1"/>
+        </a:gradFill>
+        <a:gradFill rotWithShape="1">
+          <a:gsLst>
+            <a:gs pos="0">
+              <a:schemeClr val="phClr">
+                <a:tint val="100000"/>
+                <a:shade val="100000"/>
+                <a:satMod val="130000"/>
+              </a:schemeClr>
+            </a:gs>
+            <a:gs pos="100000">
+              <a:schemeClr val="phClr">
+                <a:tint val="50000"/>
+                <a:shade val="100000"/>
+                <a:satMod val="350000"/>
+              </a:schemeClr>
+            </a:gs>
+          </a:gsLst>
+          <a:lin ang="16200000" scaled="0"/>
+        </a:gradFill>
+      </a:fillStyleLst>
+      <a:lnStyleLst>
+        <a:ln w="9525" cap="flat" cmpd="sng" algn="ctr">
+          <a:solidFill>
+            <a:schemeClr val="phClr">
+              <a:shade val="95000"/>
+              <a:satMod val="105000"/>
+            </a:schemeClr>
+          </a:solidFill>
+          <a:prstDash val="solid"/>
+        </a:ln>
+        <a:ln w="25400" cap="flat" cmpd="sng" algn="ctr">
+          <a:solidFill>
+            <a:schemeClr val="phClr"/>
+          </a:solidFill>
+          <a:prstDash val="solid"/>
+        </a:ln>
+        <a:ln w="38100" cap="flat" cmpd="sng" algn="ctr">
+          <a:solidFill>
+            <a:schemeClr val="phClr"/>
+          </a:solidFill>
+          <a:prstDash val="solid"/>
+        </a:ln>
+      </a:lnStyleLst>
+      <a:effectStyleLst>
+        <a:effectStyle>
+          <a:effectLst>
+            <a:outerShdw blurRad="40000" dist="20000" dir="5400000" rotWithShape="0">
+              <a:srgbClr val="000000">
+                <a:alpha val="38000"/>
+              </a:srgbClr>
+            </a:outerShdw>
+          </a:effectLst>
+        </a:effectStyle>
+        <a:effectStyle>
+          <a:effectLst>
+            <a:outerShdw blurRad="40000" dist="23000" dir="5400000" rotWithShape="0">
+              <a:srgbClr val="000000">
+                <a:alpha val="35000"/>
+              </a:srgbClr>
+            </a:outerShdw>
+          </a:effectLst>
+        </a:effectStyle>
+        <a:effectStyle>
+          <a:effectLst>
+            <a:outerShdw blurRad="40000" dist="23000" dir="5400000" rotWithShape="0">
+              <a:srgbClr val="000000">
+                <a:alpha val="35000"/>
+              </a:srgbClr>
+            </a:outerShdw>
+          </a:effectLst>
+          <a:scene3d>
+            <a:camera prst="orthographicFront">
+              <a:rot lat="0" lon="0" rev="0"/>
+            </a:camera>
+            <a:lightRig rig="threePt" dir="t">
+              <a:rot lat="0" lon="0" rev="1200000"/>
+            </a:lightRig>
+          </a:scene3d>
+          <a:sp3d>
+            <a:bevelT w="63500" h="25400"/>
+          </a:sp3d>
+        </a:effectStyle>
+      </a:effectStyleLst>
+      <a:bgFillStyleLst>
+        <a:solidFill>
+          <a:schemeClr val="phClr"/>
+        </a:solidFill>
+        <a:gradFill rotWithShape="1">
+          <a:gsLst>
+            <a:gs pos="0">
+              <a:schemeClr val="phClr">
+                <a:tint val="40000"/>
+                <a:satMod val="350000"/>
+              </a:schemeClr>
+            </a:gs>
+            <a:gs pos="40000">
+              <a:schemeClr val="phClr">
+                <a:tint val="45000"/>
+                <a:shade val="99000"/>
+                <a:satMod val="350000"/>
+              </a:schemeClr>
+            </a:gs>
+            <a:gs pos="100000">
+              <a:schemeClr val="phClr">
+                <a:shade val="20000"/>
+                <a:satMod val="255000"/>
+              </a:schemeClr>
+            </a:gs>
+          </a:gsLst>
+          <a:path path="circle">
+            <a:fillToRect l="50000" t="-80000" r="50000" b="180000"/>
+          </a:path>
+        </a:gradFill>
+        <a:gradFill rotWithShape="1">
+          <a:gsLst>
+            <a:gs pos="0">
+              <a:schemeClr val="phClr">
+                <a:tint val="80000"/>
+                <a:satMod val="300000"/>
+              </a:schemeClr>
+            </a:gs>
+            <a:gs pos="100000">
+              <a:schemeClr val="phClr">
+                <a:shade val="30000"/>
+                <a:satMod val="200000"/>
+              </a:schemeClr>
+            </a:gs>
+          </a:gsLst>
+          <a:path path="circle">
+            <a:fillToRect l="50000" t="50000" r="50000" b="50000"/>
+          </a:path>
+        </a:gradFill>
+      </a:bgFillStyleLst>
+    </a:fmtScheme>
+  </a:themeElements>
+</a:theme>
 </file>
 
-<file path=ppt/theme/theme1.xml><?xml version="1.0" encoding="utf-8"?>
+<file path=ppt/theme/theme2.xml><?xml version="1.0" encoding="utf-8"?>
 <a:theme xmlns:a="http://schemas.openxmlformats.org/drawingml/2006/main" xmlns:r="http://schemas.openxmlformats.org/officeDocument/2006/relationships">
   <a:themeElements>
     <a:clrScheme name="Default">
@@ -18594,283 +19064,4 @@
     </a:fmtScheme>
   </a:themeElements>
 </a:theme>
-</file>
-
-<file path=ppt/theme/theme2.xml><?xml version="1.0" encoding="utf-8"?>
-<a:theme xmlns:a="http://schemas.openxmlformats.org/drawingml/2006/main" xmlns:r="http://schemas.openxmlformats.org/officeDocument/2006/relationships" name="Office Theme">
-  <a:themeElements>
-    <a:clrScheme name="Office">
-      <a:dk1>
-        <a:srgbClr val="000000"/>
-      </a:dk1>
-      <a:lt1>
-        <a:srgbClr val="FFFFFF"/>
-      </a:lt1>
-      <a:dk2>
-        <a:srgbClr val="44546A"/>
-      </a:dk2>
-      <a:lt2>
-        <a:srgbClr val="E7E6E6"/>
-      </a:lt2>
-      <a:accent1>
-        <a:srgbClr val="4472C4"/>
-      </a:accent1>
-      <a:accent2>
-        <a:srgbClr val="ED7D31"/>
-      </a:accent2>
-      <a:accent3>
-        <a:srgbClr val="A5A5A5"/>
-      </a:accent3>
-      <a:accent4>
-        <a:srgbClr val="FFC000"/>
-      </a:accent4>
-      <a:accent5>
-        <a:srgbClr val="5B9BD5"/>
-      </a:accent5>
-      <a:accent6>
-        <a:srgbClr val="70AD47"/>
-      </a:accent6>
-      <a:hlink>
-        <a:srgbClr val="0563C1"/>
-      </a:hlink>
-      <a:folHlink>
-        <a:srgbClr val="954F72"/>
-      </a:folHlink>
-    </a:clrScheme>
-    <a:fontScheme name="Office">
-      <a:majorFont>
-        <a:latin typeface="Arial"/>
-        <a:ea typeface=""/>
-        <a:cs typeface=""/>
-        <a:font script="Jpan" typeface="ＭＳ Ｐゴシック"/>
-        <a:font script="Hang" typeface="맑은 고딕"/>
-        <a:font script="Hans" typeface="宋体"/>
-        <a:font script="Hant" typeface="新細明體"/>
-        <a:font script="Arab" typeface="Times New Roman"/>
-        <a:font script="Hebr" typeface="Times New Roman"/>
-        <a:font script="Thai" typeface="Angsana New"/>
-        <a:font script="Ethi" typeface="Nyala"/>
-        <a:font script="Beng" typeface="Vrinda"/>
-        <a:font script="Gujr" typeface="Shruti"/>
-        <a:font script="Khmr" typeface="MoolBoran"/>
-        <a:font script="Knda" typeface="Tunga"/>
-        <a:font script="Guru" typeface="Raavi"/>
-        <a:font script="Cans" typeface="Euphemia"/>
-        <a:font script="Cher" typeface="Plantagenet Cherokee"/>
-        <a:font script="Yiii" typeface="Microsoft Yi Baiti"/>
-        <a:font script="Tibt" typeface="Microsoft Himalaya"/>
-        <a:font script="Thaa" typeface="MV Boli"/>
-        <a:font script="Deva" typeface="Mangal"/>
-        <a:font script="Telu" typeface="Gautami"/>
-        <a:font script="Taml" typeface="Latha"/>
-        <a:font script="Syrc" typeface="Estrangelo Edessa"/>
-        <a:font script="Orya" typeface="Kalinga"/>
-        <a:font script="Mlym" typeface="Kartika"/>
-        <a:font script="Laoo" typeface="DokChampa"/>
-        <a:font script="Sinh" typeface="Iskoola Pota"/>
-        <a:font script="Mong" typeface="Mongolian Baiti"/>
-        <a:font script="Viet" typeface="Times New Roman"/>
-        <a:font script="Uigh" typeface="Microsoft Uighur"/>
-        <a:font script="Geor" typeface="Sylfaen"/>
-      </a:majorFont>
-      <a:minorFont>
-        <a:latin typeface="Arial"/>
-        <a:ea typeface=""/>
-        <a:cs typeface=""/>
-        <a:font script="Jpan" typeface="ＭＳ Ｐゴシック"/>
-        <a:font script="Hang" typeface="맑은 고딕"/>
-        <a:font script="Hans" typeface="宋体"/>
-        <a:font script="Hant" typeface="新細明體"/>
-        <a:font script="Arab" typeface="Arial"/>
-        <a:font script="Hebr" typeface="Arial"/>
-        <a:font script="Thai" typeface="Cordia New"/>
-        <a:font script="Ethi" typeface="Nyala"/>
-        <a:font script="Beng" typeface="Vrinda"/>
-        <a:font script="Gujr" typeface="Shruti"/>
-        <a:font script="Khmr" typeface="DaunPenh"/>
-        <a:font script="Knda" typeface="Tunga"/>
-        <a:font script="Guru" typeface="Raavi"/>
-        <a:font script="Cans" typeface="Euphemia"/>
-        <a:font script="Cher" typeface="Plantagenet Cherokee"/>
-        <a:font script="Yiii" typeface="Microsoft Yi Baiti"/>
-        <a:font script="Tibt" typeface="Microsoft Himalaya"/>
-        <a:font script="Thaa" typeface="MV Boli"/>
-        <a:font script="Deva" typeface="Mangal"/>
-        <a:font script="Telu" typeface="Gautami"/>
-        <a:font script="Taml" typeface="Latha"/>
-        <a:font script="Syrc" typeface="Estrangelo Edessa"/>
-        <a:font script="Orya" typeface="Kalinga"/>
-        <a:font script="Mlym" typeface="Kartika"/>
-        <a:font script="Laoo" typeface="DokChampa"/>
-        <a:font script="Sinh" typeface="Iskoola Pota"/>
-        <a:font script="Mong" typeface="Mongolian Baiti"/>
-        <a:font script="Viet" typeface="Arial"/>
-        <a:font script="Uigh" typeface="Microsoft Uighur"/>
-        <a:font script="Geor" typeface="Sylfaen"/>
-      </a:minorFont>
-    </a:fontScheme>
-    <a:fmtScheme name="Office">
-      <a:fillStyleLst>
-        <a:solidFill>
-          <a:schemeClr val="phClr"/>
-        </a:solidFill>
-        <a:gradFill rotWithShape="1">
-          <a:gsLst>
-            <a:gs pos="0">
-              <a:schemeClr val="phClr">
-                <a:tint val="50000"/>
-                <a:satMod val="300000"/>
-              </a:schemeClr>
-            </a:gs>
-            <a:gs pos="35000">
-              <a:schemeClr val="phClr">
-                <a:tint val="37000"/>
-                <a:satMod val="300000"/>
-              </a:schemeClr>
-            </a:gs>
-            <a:gs pos="100000">
-              <a:schemeClr val="phClr">
-                <a:tint val="15000"/>
-                <a:satMod val="350000"/>
-              </a:schemeClr>
-            </a:gs>
-          </a:gsLst>
-          <a:lin ang="16200000" scaled="1"/>
-        </a:gradFill>
-        <a:gradFill rotWithShape="1">
-          <a:gsLst>
-            <a:gs pos="0">
-              <a:schemeClr val="phClr">
-                <a:tint val="100000"/>
-                <a:shade val="100000"/>
-                <a:satMod val="130000"/>
-              </a:schemeClr>
-            </a:gs>
-            <a:gs pos="100000">
-              <a:schemeClr val="phClr">
-                <a:tint val="50000"/>
-                <a:shade val="100000"/>
-                <a:satMod val="350000"/>
-              </a:schemeClr>
-            </a:gs>
-          </a:gsLst>
-          <a:lin ang="16200000" scaled="0"/>
-        </a:gradFill>
-      </a:fillStyleLst>
-      <a:lnStyleLst>
-        <a:ln w="9525" cap="flat" cmpd="sng" algn="ctr">
-          <a:solidFill>
-            <a:schemeClr val="phClr">
-              <a:shade val="95000"/>
-              <a:satMod val="105000"/>
-            </a:schemeClr>
-          </a:solidFill>
-          <a:prstDash val="solid"/>
-        </a:ln>
-        <a:ln w="25400" cap="flat" cmpd="sng" algn="ctr">
-          <a:solidFill>
-            <a:schemeClr val="phClr"/>
-          </a:solidFill>
-          <a:prstDash val="solid"/>
-        </a:ln>
-        <a:ln w="38100" cap="flat" cmpd="sng" algn="ctr">
-          <a:solidFill>
-            <a:schemeClr val="phClr"/>
-          </a:solidFill>
-          <a:prstDash val="solid"/>
-        </a:ln>
-      </a:lnStyleLst>
-      <a:effectStyleLst>
-        <a:effectStyle>
-          <a:effectLst>
-            <a:outerShdw blurRad="40000" dist="20000" dir="5400000" rotWithShape="0">
-              <a:srgbClr val="000000">
-                <a:alpha val="38000"/>
-              </a:srgbClr>
-            </a:outerShdw>
-          </a:effectLst>
-        </a:effectStyle>
-        <a:effectStyle>
-          <a:effectLst>
-            <a:outerShdw blurRad="40000" dist="23000" dir="5400000" rotWithShape="0">
-              <a:srgbClr val="000000">
-                <a:alpha val="35000"/>
-              </a:srgbClr>
-            </a:outerShdw>
-          </a:effectLst>
-        </a:effectStyle>
-        <a:effectStyle>
-          <a:effectLst>
-            <a:outerShdw blurRad="40000" dist="23000" dir="5400000" rotWithShape="0">
-              <a:srgbClr val="000000">
-                <a:alpha val="35000"/>
-              </a:srgbClr>
-            </a:outerShdw>
-          </a:effectLst>
-          <a:scene3d>
-            <a:camera prst="orthographicFront">
-              <a:rot lat="0" lon="0" rev="0"/>
-            </a:camera>
-            <a:lightRig rig="threePt" dir="t">
-              <a:rot lat="0" lon="0" rev="1200000"/>
-            </a:lightRig>
-          </a:scene3d>
-          <a:sp3d>
-            <a:bevelT w="63500" h="25400"/>
-          </a:sp3d>
-        </a:effectStyle>
-      </a:effectStyleLst>
-      <a:bgFillStyleLst>
-        <a:solidFill>
-          <a:schemeClr val="phClr"/>
-        </a:solidFill>
-        <a:gradFill rotWithShape="1">
-          <a:gsLst>
-            <a:gs pos="0">
-              <a:schemeClr val="phClr">
-                <a:tint val="40000"/>
-                <a:satMod val="350000"/>
-              </a:schemeClr>
-            </a:gs>
-            <a:gs pos="40000">
-              <a:schemeClr val="phClr">
-                <a:tint val="45000"/>
-                <a:shade val="99000"/>
-                <a:satMod val="350000"/>
-              </a:schemeClr>
-            </a:gs>
-            <a:gs pos="100000">
-              <a:schemeClr val="phClr">
-                <a:shade val="20000"/>
-                <a:satMod val="255000"/>
-              </a:schemeClr>
-            </a:gs>
-          </a:gsLst>
-          <a:path path="circle">
-            <a:fillToRect l="50000" t="-80000" r="50000" b="180000"/>
-          </a:path>
-        </a:gradFill>
-        <a:gradFill rotWithShape="1">
-          <a:gsLst>
-            <a:gs pos="0">
-              <a:schemeClr val="phClr">
-                <a:tint val="80000"/>
-                <a:satMod val="300000"/>
-              </a:schemeClr>
-            </a:gs>
-            <a:gs pos="100000">
-              <a:schemeClr val="phClr">
-                <a:shade val="30000"/>
-                <a:satMod val="200000"/>
-              </a:schemeClr>
-            </a:gs>
-          </a:gsLst>
-          <a:path path="circle">
-            <a:fillToRect l="50000" t="50000" r="50000" b="50000"/>
-          </a:path>
-        </a:gradFill>
-      </a:bgFillStyleLst>
-    </a:fmtScheme>
-  </a:themeElements>
-</a:theme>
 </file>